--- a/ref/pic.pptx
+++ b/ref/pic.pptx
@@ -10,6 +10,14 @@
     <p:sldId id="258" r:id="rId4"/>
     <p:sldId id="259" r:id="rId5"/>
     <p:sldId id="260" r:id="rId6"/>
+    <p:sldId id="261" r:id="rId7"/>
+    <p:sldId id="262" r:id="rId8"/>
+    <p:sldId id="263" r:id="rId9"/>
+    <p:sldId id="264" r:id="rId10"/>
+    <p:sldId id="265" r:id="rId11"/>
+    <p:sldId id="266" r:id="rId12"/>
+    <p:sldId id="267" r:id="rId13"/>
+    <p:sldId id="268" r:id="rId14"/>
   </p:sldIdLst>
   <p:sldSz cx="12192000" cy="6858000"/>
   <p:notesSz cx="6858000" cy="9144000"/>
@@ -108,6 +116,11 @@
       </a:defRPr>
     </a:lvl9pPr>
   </p:defaultTextStyle>
+  <p:extLst>
+    <p:ext uri="{EFAFB233-063F-42B5-8137-9DF3F51BA10A}">
+      <p15:sldGuideLst xmlns:p15="http://schemas.microsoft.com/office/powerpoint/2012/main"/>
+    </p:ext>
+  </p:extLst>
 </p:presentation>
 </file>
 
@@ -258,7 +271,7 @@
           <a:p>
             <a:fld id="{E700C44F-DF2E-4F24-99FB-BFA872EF895F}" type="datetimeFigureOut">
               <a:rPr lang="en-US" smtClean="0"/>
-              <a:t>11/2/2022</a:t>
+              <a:t>11/3/2022</a:t>
             </a:fld>
             <a:endParaRPr lang="en-US"/>
           </a:p>
@@ -456,7 +469,7 @@
           <a:p>
             <a:fld id="{E700C44F-DF2E-4F24-99FB-BFA872EF895F}" type="datetimeFigureOut">
               <a:rPr lang="en-US" smtClean="0"/>
-              <a:t>11/2/2022</a:t>
+              <a:t>11/3/2022</a:t>
             </a:fld>
             <a:endParaRPr lang="en-US"/>
           </a:p>
@@ -664,7 +677,7 @@
           <a:p>
             <a:fld id="{E700C44F-DF2E-4F24-99FB-BFA872EF895F}" type="datetimeFigureOut">
               <a:rPr lang="en-US" smtClean="0"/>
-              <a:t>11/2/2022</a:t>
+              <a:t>11/3/2022</a:t>
             </a:fld>
             <a:endParaRPr lang="en-US"/>
           </a:p>
@@ -862,7 +875,7 @@
           <a:p>
             <a:fld id="{E700C44F-DF2E-4F24-99FB-BFA872EF895F}" type="datetimeFigureOut">
               <a:rPr lang="en-US" smtClean="0"/>
-              <a:t>11/2/2022</a:t>
+              <a:t>11/3/2022</a:t>
             </a:fld>
             <a:endParaRPr lang="en-US"/>
           </a:p>
@@ -1137,7 +1150,7 @@
           <a:p>
             <a:fld id="{E700C44F-DF2E-4F24-99FB-BFA872EF895F}" type="datetimeFigureOut">
               <a:rPr lang="en-US" smtClean="0"/>
-              <a:t>11/2/2022</a:t>
+              <a:t>11/3/2022</a:t>
             </a:fld>
             <a:endParaRPr lang="en-US"/>
           </a:p>
@@ -1402,7 +1415,7 @@
           <a:p>
             <a:fld id="{E700C44F-DF2E-4F24-99FB-BFA872EF895F}" type="datetimeFigureOut">
               <a:rPr lang="en-US" smtClean="0"/>
-              <a:t>11/2/2022</a:t>
+              <a:t>11/3/2022</a:t>
             </a:fld>
             <a:endParaRPr lang="en-US"/>
           </a:p>
@@ -1814,7 +1827,7 @@
           <a:p>
             <a:fld id="{E700C44F-DF2E-4F24-99FB-BFA872EF895F}" type="datetimeFigureOut">
               <a:rPr lang="en-US" smtClean="0"/>
-              <a:t>11/2/2022</a:t>
+              <a:t>11/3/2022</a:t>
             </a:fld>
             <a:endParaRPr lang="en-US"/>
           </a:p>
@@ -1955,7 +1968,7 @@
           <a:p>
             <a:fld id="{E700C44F-DF2E-4F24-99FB-BFA872EF895F}" type="datetimeFigureOut">
               <a:rPr lang="en-US" smtClean="0"/>
-              <a:t>11/2/2022</a:t>
+              <a:t>11/3/2022</a:t>
             </a:fld>
             <a:endParaRPr lang="en-US"/>
           </a:p>
@@ -2068,7 +2081,7 @@
           <a:p>
             <a:fld id="{E700C44F-DF2E-4F24-99FB-BFA872EF895F}" type="datetimeFigureOut">
               <a:rPr lang="en-US" smtClean="0"/>
-              <a:t>11/2/2022</a:t>
+              <a:t>11/3/2022</a:t>
             </a:fld>
             <a:endParaRPr lang="en-US"/>
           </a:p>
@@ -2379,7 +2392,7 @@
           <a:p>
             <a:fld id="{E700C44F-DF2E-4F24-99FB-BFA872EF895F}" type="datetimeFigureOut">
               <a:rPr lang="en-US" smtClean="0"/>
-              <a:t>11/2/2022</a:t>
+              <a:t>11/3/2022</a:t>
             </a:fld>
             <a:endParaRPr lang="en-US"/>
           </a:p>
@@ -2667,7 +2680,7 @@
           <a:p>
             <a:fld id="{E700C44F-DF2E-4F24-99FB-BFA872EF895F}" type="datetimeFigureOut">
               <a:rPr lang="en-US" smtClean="0"/>
-              <a:t>11/2/2022</a:t>
+              <a:t>11/3/2022</a:t>
             </a:fld>
             <a:endParaRPr lang="en-US"/>
           </a:p>
@@ -2908,7 +2921,7 @@
           <a:p>
             <a:fld id="{E700C44F-DF2E-4F24-99FB-BFA872EF895F}" type="datetimeFigureOut">
               <a:rPr lang="en-US" smtClean="0"/>
-              <a:t>11/2/2022</a:t>
+              <a:t>11/3/2022</a:t>
             </a:fld>
             <a:endParaRPr lang="en-US"/>
           </a:p>
@@ -3484,6 +3497,494 @@
 </p:sld>
 </file>
 
+<file path=ppt/slides/slide10.xml><?xml version="1.0" encoding="utf-8"?>
+<p:sld xmlns:a="http://schemas.openxmlformats.org/drawingml/2006/main" xmlns:r="http://schemas.openxmlformats.org/officeDocument/2006/relationships" xmlns:p="http://schemas.openxmlformats.org/presentationml/2006/main">
+  <p:cSld>
+    <p:spTree>
+      <p:nvGrpSpPr>
+        <p:cNvPr id="1" name=""/>
+        <p:cNvGrpSpPr/>
+        <p:nvPr/>
+      </p:nvGrpSpPr>
+      <p:grpSpPr>
+        <a:xfrm>
+          <a:off x="0" y="0"/>
+          <a:ext cx="0" cy="0"/>
+          <a:chOff x="0" y="0"/>
+          <a:chExt cx="0" cy="0"/>
+        </a:xfrm>
+      </p:grpSpPr>
+      <p:pic>
+        <p:nvPicPr>
+          <p:cNvPr id="5" name="Picture 4">
+            <a:extLst>
+              <a:ext uri="{FF2B5EF4-FFF2-40B4-BE49-F238E27FC236}">
+                <a16:creationId xmlns:a16="http://schemas.microsoft.com/office/drawing/2014/main" id="{95C5EF7A-2429-5BBB-E9D5-E6A35CC56BEB}"/>
+              </a:ext>
+            </a:extLst>
+          </p:cNvPr>
+          <p:cNvPicPr>
+            <a:picLocks noChangeAspect="1"/>
+          </p:cNvPicPr>
+          <p:nvPr/>
+        </p:nvPicPr>
+        <p:blipFill>
+          <a:blip r:embed="rId2"/>
+          <a:stretch>
+            <a:fillRect/>
+          </a:stretch>
+        </p:blipFill>
+        <p:spPr>
+          <a:xfrm>
+            <a:off x="551676" y="733049"/>
+            <a:ext cx="11088647" cy="5391902"/>
+          </a:xfrm>
+          <a:prstGeom prst="rect">
+            <a:avLst/>
+          </a:prstGeom>
+        </p:spPr>
+      </p:pic>
+    </p:spTree>
+    <p:extLst>
+      <p:ext uri="{BB962C8B-B14F-4D97-AF65-F5344CB8AC3E}">
+        <p14:creationId xmlns:p14="http://schemas.microsoft.com/office/powerpoint/2010/main" val="840969701"/>
+      </p:ext>
+    </p:extLst>
+  </p:cSld>
+  <p:clrMapOvr>
+    <a:masterClrMapping/>
+  </p:clrMapOvr>
+</p:sld>
+</file>
+
+<file path=ppt/slides/slide11.xml><?xml version="1.0" encoding="utf-8"?>
+<p:sld xmlns:a="http://schemas.openxmlformats.org/drawingml/2006/main" xmlns:r="http://schemas.openxmlformats.org/officeDocument/2006/relationships" xmlns:p="http://schemas.openxmlformats.org/presentationml/2006/main">
+  <p:cSld>
+    <p:bg>
+      <p:bgPr>
+        <a:solidFill>
+          <a:schemeClr val="bg1"/>
+        </a:solidFill>
+        <a:effectLst/>
+      </p:bgPr>
+    </p:bg>
+    <p:spTree>
+      <p:nvGrpSpPr>
+        <p:cNvPr id="1" name=""/>
+        <p:cNvGrpSpPr/>
+        <p:nvPr/>
+      </p:nvGrpSpPr>
+      <p:grpSpPr>
+        <a:xfrm>
+          <a:off x="0" y="0"/>
+          <a:ext cx="0" cy="0"/>
+          <a:chOff x="0" y="0"/>
+          <a:chExt cx="0" cy="0"/>
+        </a:xfrm>
+      </p:grpSpPr>
+      <p:sp useBgFill="1">
+        <p:nvSpPr>
+          <p:cNvPr id="16" name="Rectangle 13">
+            <a:extLst>
+              <a:ext uri="{FF2B5EF4-FFF2-40B4-BE49-F238E27FC236}">
+                <a16:creationId xmlns:a16="http://schemas.microsoft.com/office/drawing/2014/main" id="{4169DD87-3EBE-44CA-9654-8AE0466B2779}"/>
+              </a:ext>
+              <a:ext uri="{C183D7F6-B498-43B3-948B-1728B52AA6E4}">
+                <adec:decorative xmlns:adec="http://schemas.microsoft.com/office/drawing/2017/decorative" val="1"/>
+              </a:ext>
+            </a:extLst>
+          </p:cNvPr>
+          <p:cNvSpPr>
+            <a:spLocks noGrp="1" noRot="1" noChangeAspect="1" noMove="1" noResize="1" noEditPoints="1" noAdjustHandles="1" noChangeArrowheads="1" noChangeShapeType="1" noTextEdit="1"/>
+          </p:cNvSpPr>
+          <p:nvPr>
+            <p:extLst>
+              <p:ext uri="{386F3935-93C4-4BCD-93E2-E3B085C9AB24}">
+                <p16:designElem xmlns:p16="http://schemas.microsoft.com/office/powerpoint/2015/main" val="1"/>
+              </p:ext>
+            </p:extLst>
+          </p:nvPr>
+        </p:nvSpPr>
+        <p:spPr bwMode="white">
+          <a:xfrm>
+            <a:off x="1524" y="0"/>
+            <a:ext cx="12188952" cy="6858000"/>
+          </a:xfrm>
+          <a:prstGeom prst="rect">
+            <a:avLst/>
+          </a:prstGeom>
+          <a:ln>
+            <a:noFill/>
+          </a:ln>
+        </p:spPr>
+        <p:style>
+          <a:lnRef idx="2">
+            <a:schemeClr val="accent1">
+              <a:shade val="50000"/>
+            </a:schemeClr>
+          </a:lnRef>
+          <a:fillRef idx="1">
+            <a:schemeClr val="accent1"/>
+          </a:fillRef>
+          <a:effectRef idx="0">
+            <a:schemeClr val="accent1"/>
+          </a:effectRef>
+          <a:fontRef idx="minor">
+            <a:schemeClr val="lt1"/>
+          </a:fontRef>
+        </p:style>
+        <p:txBody>
+          <a:bodyPr rtlCol="0" anchor="ctr"/>
+          <a:lstStyle>
+            <a:defPPr>
+              <a:defRPr lang="en-US"/>
+            </a:defPPr>
+            <a:lvl1pPr marL="0" algn="l" defTabSz="914400" rtl="0" eaLnBrk="1" latinLnBrk="0" hangingPunct="1">
+              <a:defRPr sz="1800" kern="1200">
+                <a:solidFill>
+                  <a:schemeClr val="lt1"/>
+                </a:solidFill>
+                <a:latin typeface="+mn-lt"/>
+                <a:ea typeface="+mn-ea"/>
+                <a:cs typeface="+mn-cs"/>
+              </a:defRPr>
+            </a:lvl1pPr>
+            <a:lvl2pPr marL="457200" algn="l" defTabSz="914400" rtl="0" eaLnBrk="1" latinLnBrk="0" hangingPunct="1">
+              <a:defRPr sz="1800" kern="1200">
+                <a:solidFill>
+                  <a:schemeClr val="lt1"/>
+                </a:solidFill>
+                <a:latin typeface="+mn-lt"/>
+                <a:ea typeface="+mn-ea"/>
+                <a:cs typeface="+mn-cs"/>
+              </a:defRPr>
+            </a:lvl2pPr>
+            <a:lvl3pPr marL="914400" algn="l" defTabSz="914400" rtl="0" eaLnBrk="1" latinLnBrk="0" hangingPunct="1">
+              <a:defRPr sz="1800" kern="1200">
+                <a:solidFill>
+                  <a:schemeClr val="lt1"/>
+                </a:solidFill>
+                <a:latin typeface="+mn-lt"/>
+                <a:ea typeface="+mn-ea"/>
+                <a:cs typeface="+mn-cs"/>
+              </a:defRPr>
+            </a:lvl3pPr>
+            <a:lvl4pPr marL="1371600" algn="l" defTabSz="914400" rtl="0" eaLnBrk="1" latinLnBrk="0" hangingPunct="1">
+              <a:defRPr sz="1800" kern="1200">
+                <a:solidFill>
+                  <a:schemeClr val="lt1"/>
+                </a:solidFill>
+                <a:latin typeface="+mn-lt"/>
+                <a:ea typeface="+mn-ea"/>
+                <a:cs typeface="+mn-cs"/>
+              </a:defRPr>
+            </a:lvl4pPr>
+            <a:lvl5pPr marL="1828800" algn="l" defTabSz="914400" rtl="0" eaLnBrk="1" latinLnBrk="0" hangingPunct="1">
+              <a:defRPr sz="1800" kern="1200">
+                <a:solidFill>
+                  <a:schemeClr val="lt1"/>
+                </a:solidFill>
+                <a:latin typeface="+mn-lt"/>
+                <a:ea typeface="+mn-ea"/>
+                <a:cs typeface="+mn-cs"/>
+              </a:defRPr>
+            </a:lvl5pPr>
+            <a:lvl6pPr marL="2286000" algn="l" defTabSz="914400" rtl="0" eaLnBrk="1" latinLnBrk="0" hangingPunct="1">
+              <a:defRPr sz="1800" kern="1200">
+                <a:solidFill>
+                  <a:schemeClr val="lt1"/>
+                </a:solidFill>
+                <a:latin typeface="+mn-lt"/>
+                <a:ea typeface="+mn-ea"/>
+                <a:cs typeface="+mn-cs"/>
+              </a:defRPr>
+            </a:lvl6pPr>
+            <a:lvl7pPr marL="2743200" algn="l" defTabSz="914400" rtl="0" eaLnBrk="1" latinLnBrk="0" hangingPunct="1">
+              <a:defRPr sz="1800" kern="1200">
+                <a:solidFill>
+                  <a:schemeClr val="lt1"/>
+                </a:solidFill>
+                <a:latin typeface="+mn-lt"/>
+                <a:ea typeface="+mn-ea"/>
+                <a:cs typeface="+mn-cs"/>
+              </a:defRPr>
+            </a:lvl7pPr>
+            <a:lvl8pPr marL="3200400" algn="l" defTabSz="914400" rtl="0" eaLnBrk="1" latinLnBrk="0" hangingPunct="1">
+              <a:defRPr sz="1800" kern="1200">
+                <a:solidFill>
+                  <a:schemeClr val="lt1"/>
+                </a:solidFill>
+                <a:latin typeface="+mn-lt"/>
+                <a:ea typeface="+mn-ea"/>
+                <a:cs typeface="+mn-cs"/>
+              </a:defRPr>
+            </a:lvl8pPr>
+            <a:lvl9pPr marL="3657600" algn="l" defTabSz="914400" rtl="0" eaLnBrk="1" latinLnBrk="0" hangingPunct="1">
+              <a:defRPr sz="1800" kern="1200">
+                <a:solidFill>
+                  <a:schemeClr val="lt1"/>
+                </a:solidFill>
+                <a:latin typeface="+mn-lt"/>
+                <a:ea typeface="+mn-ea"/>
+                <a:cs typeface="+mn-cs"/>
+              </a:defRPr>
+            </a:lvl9pPr>
+          </a:lstStyle>
+          <a:p>
+            <a:pPr algn="ctr"/>
+            <a:endParaRPr lang="en-US"/>
+          </a:p>
+        </p:txBody>
+      </p:sp>
+      <p:pic>
+        <p:nvPicPr>
+          <p:cNvPr id="3" name="Picture 2">
+            <a:extLst>
+              <a:ext uri="{FF2B5EF4-FFF2-40B4-BE49-F238E27FC236}">
+                <a16:creationId xmlns:a16="http://schemas.microsoft.com/office/drawing/2014/main" id="{BA089747-0218-5969-81E0-6C200A2D3BF3}"/>
+              </a:ext>
+            </a:extLst>
+          </p:cNvPr>
+          <p:cNvPicPr>
+            <a:picLocks noChangeAspect="1"/>
+          </p:cNvPicPr>
+          <p:nvPr/>
+        </p:nvPicPr>
+        <p:blipFill rotWithShape="1">
+          <a:blip r:embed="rId2"/>
+          <a:srcRect r="4677"/>
+          <a:stretch/>
+        </p:blipFill>
+        <p:spPr>
+          <a:xfrm>
+            <a:off x="192526" y="550518"/>
+            <a:ext cx="5799477" cy="2783429"/>
+          </a:xfrm>
+          <a:prstGeom prst="rect">
+            <a:avLst/>
+          </a:prstGeom>
+        </p:spPr>
+      </p:pic>
+      <p:pic>
+        <p:nvPicPr>
+          <p:cNvPr id="9" name="Picture 8">
+            <a:extLst>
+              <a:ext uri="{FF2B5EF4-FFF2-40B4-BE49-F238E27FC236}">
+                <a16:creationId xmlns:a16="http://schemas.microsoft.com/office/drawing/2014/main" id="{848B98C9-4AC2-ACC9-7504-D17A5A35A020}"/>
+              </a:ext>
+            </a:extLst>
+          </p:cNvPr>
+          <p:cNvPicPr>
+            <a:picLocks noChangeAspect="1"/>
+          </p:cNvPicPr>
+          <p:nvPr/>
+        </p:nvPicPr>
+        <p:blipFill rotWithShape="1">
+          <a:blip r:embed="rId3"/>
+          <a:srcRect l="3677" r="3" b="3"/>
+          <a:stretch/>
+        </p:blipFill>
+        <p:spPr>
+          <a:xfrm>
+            <a:off x="6191622" y="550517"/>
+            <a:ext cx="5796945" cy="2783429"/>
+          </a:xfrm>
+          <a:prstGeom prst="rect">
+            <a:avLst/>
+          </a:prstGeom>
+        </p:spPr>
+      </p:pic>
+      <p:pic>
+        <p:nvPicPr>
+          <p:cNvPr id="7" name="Picture 6">
+            <a:extLst>
+              <a:ext uri="{FF2B5EF4-FFF2-40B4-BE49-F238E27FC236}">
+                <a16:creationId xmlns:a16="http://schemas.microsoft.com/office/drawing/2014/main" id="{16E25B7D-5D62-9621-2783-1143A344EAD8}"/>
+              </a:ext>
+            </a:extLst>
+          </p:cNvPr>
+          <p:cNvPicPr>
+            <a:picLocks noChangeAspect="1"/>
+          </p:cNvPicPr>
+          <p:nvPr/>
+        </p:nvPicPr>
+        <p:blipFill rotWithShape="1">
+          <a:blip r:embed="rId4"/>
+          <a:srcRect r="6030" b="1"/>
+          <a:stretch/>
+        </p:blipFill>
+        <p:spPr>
+          <a:xfrm>
+            <a:off x="196714" y="3514856"/>
+            <a:ext cx="5799477" cy="2792626"/>
+          </a:xfrm>
+          <a:prstGeom prst="rect">
+            <a:avLst/>
+          </a:prstGeom>
+        </p:spPr>
+      </p:pic>
+      <p:pic>
+        <p:nvPicPr>
+          <p:cNvPr id="5" name="Picture 4">
+            <a:extLst>
+              <a:ext uri="{FF2B5EF4-FFF2-40B4-BE49-F238E27FC236}">
+                <a16:creationId xmlns:a16="http://schemas.microsoft.com/office/drawing/2014/main" id="{0A80B243-BF42-CBB5-0D0C-AA726A62B261}"/>
+              </a:ext>
+            </a:extLst>
+          </p:cNvPr>
+          <p:cNvPicPr>
+            <a:picLocks noChangeAspect="1"/>
+          </p:cNvPicPr>
+          <p:nvPr/>
+        </p:nvPicPr>
+        <p:blipFill rotWithShape="1">
+          <a:blip r:embed="rId5"/>
+          <a:srcRect l="880" r="-1" b="-1"/>
+          <a:stretch/>
+        </p:blipFill>
+        <p:spPr>
+          <a:xfrm>
+            <a:off x="6195810" y="3514855"/>
+            <a:ext cx="5796945" cy="2792626"/>
+          </a:xfrm>
+          <a:prstGeom prst="rect">
+            <a:avLst/>
+          </a:prstGeom>
+        </p:spPr>
+      </p:pic>
+    </p:spTree>
+    <p:extLst>
+      <p:ext uri="{BB962C8B-B14F-4D97-AF65-F5344CB8AC3E}">
+        <p14:creationId xmlns:p14="http://schemas.microsoft.com/office/powerpoint/2010/main" val="2289198067"/>
+      </p:ext>
+    </p:extLst>
+  </p:cSld>
+  <p:clrMapOvr>
+    <a:masterClrMapping/>
+  </p:clrMapOvr>
+</p:sld>
+</file>
+
+<file path=ppt/slides/slide12.xml><?xml version="1.0" encoding="utf-8"?>
+<p:sld xmlns:a="http://schemas.openxmlformats.org/drawingml/2006/main" xmlns:r="http://schemas.openxmlformats.org/officeDocument/2006/relationships" xmlns:p="http://schemas.openxmlformats.org/presentationml/2006/main">
+  <p:cSld>
+    <p:spTree>
+      <p:nvGrpSpPr>
+        <p:cNvPr id="1" name=""/>
+        <p:cNvGrpSpPr/>
+        <p:nvPr/>
+      </p:nvGrpSpPr>
+      <p:grpSpPr>
+        <a:xfrm>
+          <a:off x="0" y="0"/>
+          <a:ext cx="0" cy="0"/>
+          <a:chOff x="0" y="0"/>
+          <a:chExt cx="0" cy="0"/>
+        </a:xfrm>
+      </p:grpSpPr>
+      <p:pic>
+        <p:nvPicPr>
+          <p:cNvPr id="2" name="Picture 1">
+            <a:extLst>
+              <a:ext uri="{FF2B5EF4-FFF2-40B4-BE49-F238E27FC236}">
+                <a16:creationId xmlns:a16="http://schemas.microsoft.com/office/drawing/2014/main" id="{75FB9F59-ACE9-BC60-9CA2-172B649C2D31}"/>
+              </a:ext>
+            </a:extLst>
+          </p:cNvPr>
+          <p:cNvPicPr>
+            <a:picLocks noChangeAspect="1"/>
+          </p:cNvPicPr>
+          <p:nvPr/>
+        </p:nvPicPr>
+        <p:blipFill>
+          <a:blip r:embed="rId2"/>
+          <a:stretch>
+            <a:fillRect/>
+          </a:stretch>
+        </p:blipFill>
+        <p:spPr>
+          <a:xfrm>
+            <a:off x="-136237" y="972531"/>
+            <a:ext cx="5943600" cy="2899410"/>
+          </a:xfrm>
+          <a:prstGeom prst="rect">
+            <a:avLst/>
+          </a:prstGeom>
+        </p:spPr>
+      </p:pic>
+      <p:pic>
+        <p:nvPicPr>
+          <p:cNvPr id="4" name="Picture 3">
+            <a:extLst>
+              <a:ext uri="{FF2B5EF4-FFF2-40B4-BE49-F238E27FC236}">
+                <a16:creationId xmlns:a16="http://schemas.microsoft.com/office/drawing/2014/main" id="{A722DFEC-CDEC-0766-67AA-0F96BD9E8D04}"/>
+              </a:ext>
+            </a:extLst>
+          </p:cNvPr>
+          <p:cNvPicPr>
+            <a:picLocks noChangeAspect="1"/>
+          </p:cNvPicPr>
+          <p:nvPr/>
+        </p:nvPicPr>
+        <p:blipFill>
+          <a:blip r:embed="rId3"/>
+          <a:stretch>
+            <a:fillRect/>
+          </a:stretch>
+        </p:blipFill>
+        <p:spPr>
+          <a:xfrm>
+            <a:off x="2170777" y="2552099"/>
+            <a:ext cx="9088118" cy="4305901"/>
+          </a:xfrm>
+          <a:prstGeom prst="rect">
+            <a:avLst/>
+          </a:prstGeom>
+        </p:spPr>
+      </p:pic>
+    </p:spTree>
+    <p:extLst>
+      <p:ext uri="{BB962C8B-B14F-4D97-AF65-F5344CB8AC3E}">
+        <p14:creationId xmlns:p14="http://schemas.microsoft.com/office/powerpoint/2010/main" val="3171274781"/>
+      </p:ext>
+    </p:extLst>
+  </p:cSld>
+  <p:clrMapOvr>
+    <a:masterClrMapping/>
+  </p:clrMapOvr>
+</p:sld>
+</file>
+
+<file path=ppt/slides/slide13.xml><?xml version="1.0" encoding="utf-8"?>
+<p:sld xmlns:a="http://schemas.openxmlformats.org/drawingml/2006/main" xmlns:r="http://schemas.openxmlformats.org/officeDocument/2006/relationships" xmlns:p="http://schemas.openxmlformats.org/presentationml/2006/main">
+  <p:cSld>
+    <p:spTree>
+      <p:nvGrpSpPr>
+        <p:cNvPr id="1" name=""/>
+        <p:cNvGrpSpPr/>
+        <p:nvPr/>
+      </p:nvGrpSpPr>
+      <p:grpSpPr>
+        <a:xfrm>
+          <a:off x="0" y="0"/>
+          <a:ext cx="0" cy="0"/>
+          <a:chOff x="0" y="0"/>
+          <a:chExt cx="0" cy="0"/>
+        </a:xfrm>
+      </p:grpSpPr>
+    </p:spTree>
+    <p:extLst>
+      <p:ext uri="{BB962C8B-B14F-4D97-AF65-F5344CB8AC3E}">
+        <p14:creationId xmlns:p14="http://schemas.microsoft.com/office/powerpoint/2010/main" val="3666984623"/>
+      </p:ext>
+    </p:extLst>
+  </p:cSld>
+  <p:clrMapOvr>
+    <a:masterClrMapping/>
+  </p:clrMapOvr>
+</p:sld>
+</file>
+
 <file path=ppt/slides/slide2.xml><?xml version="1.0" encoding="utf-8"?>
 <p:sld xmlns:a="http://schemas.openxmlformats.org/drawingml/2006/main" xmlns:r="http://schemas.openxmlformats.org/officeDocument/2006/relationships" xmlns:p="http://schemas.openxmlformats.org/presentationml/2006/main">
   <p:cSld>
@@ -4426,6 +4927,859 @@
     <p:extLst>
       <p:ext uri="{BB962C8B-B14F-4D97-AF65-F5344CB8AC3E}">
         <p14:creationId xmlns:p14="http://schemas.microsoft.com/office/powerpoint/2010/main" val="3108282492"/>
+      </p:ext>
+    </p:extLst>
+  </p:cSld>
+  <p:clrMapOvr>
+    <a:masterClrMapping/>
+  </p:clrMapOvr>
+</p:sld>
+</file>
+
+<file path=ppt/slides/slide6.xml><?xml version="1.0" encoding="utf-8"?>
+<p:sld xmlns:a="http://schemas.openxmlformats.org/drawingml/2006/main" xmlns:r="http://schemas.openxmlformats.org/officeDocument/2006/relationships" xmlns:p="http://schemas.openxmlformats.org/presentationml/2006/main">
+  <p:cSld>
+    <p:bg>
+      <p:bgPr>
+        <a:solidFill>
+          <a:schemeClr val="bg1"/>
+        </a:solidFill>
+        <a:effectLst/>
+      </p:bgPr>
+    </p:bg>
+    <p:spTree>
+      <p:nvGrpSpPr>
+        <p:cNvPr id="1" name=""/>
+        <p:cNvGrpSpPr/>
+        <p:nvPr/>
+      </p:nvGrpSpPr>
+      <p:grpSpPr>
+        <a:xfrm>
+          <a:off x="0" y="0"/>
+          <a:ext cx="0" cy="0"/>
+          <a:chOff x="0" y="0"/>
+          <a:chExt cx="0" cy="0"/>
+        </a:xfrm>
+      </p:grpSpPr>
+      <p:sp>
+        <p:nvSpPr>
+          <p:cNvPr id="39" name="Rectangle 33">
+            <a:extLst>
+              <a:ext uri="{FF2B5EF4-FFF2-40B4-BE49-F238E27FC236}">
+                <a16:creationId xmlns:a16="http://schemas.microsoft.com/office/drawing/2014/main" id="{9527FCEA-6143-4C5E-8C45-8AC9237ADE89}"/>
+              </a:ext>
+              <a:ext uri="{C183D7F6-B498-43B3-948B-1728B52AA6E4}">
+                <adec:decorative xmlns:adec="http://schemas.microsoft.com/office/drawing/2017/decorative" val="1"/>
+              </a:ext>
+            </a:extLst>
+          </p:cNvPr>
+          <p:cNvSpPr>
+            <a:spLocks noGrp="1" noRot="1" noChangeAspect="1" noMove="1" noResize="1" noEditPoints="1" noAdjustHandles="1" noChangeArrowheads="1" noChangeShapeType="1" noTextEdit="1"/>
+          </p:cNvSpPr>
+          <p:nvPr>
+            <p:extLst>
+              <p:ext uri="{386F3935-93C4-4BCD-93E2-E3B085C9AB24}">
+                <p16:designElem xmlns:p16="http://schemas.microsoft.com/office/powerpoint/2015/main" val="1"/>
+              </p:ext>
+            </p:extLst>
+          </p:nvPr>
+        </p:nvSpPr>
+        <p:spPr>
+          <a:xfrm>
+            <a:off x="0" y="0"/>
+            <a:ext cx="12192000" cy="6858000"/>
+          </a:xfrm>
+          <a:prstGeom prst="rect">
+            <a:avLst/>
+          </a:prstGeom>
+          <a:solidFill>
+            <a:schemeClr val="tx1">
+              <a:lumMod val="50000"/>
+              <a:lumOff val="50000"/>
+              <a:alpha val="30000"/>
+            </a:schemeClr>
+          </a:solidFill>
+          <a:ln>
+            <a:noFill/>
+          </a:ln>
+        </p:spPr>
+        <p:style>
+          <a:lnRef idx="2">
+            <a:schemeClr val="accent1">
+              <a:shade val="50000"/>
+            </a:schemeClr>
+          </a:lnRef>
+          <a:fillRef idx="1">
+            <a:schemeClr val="accent1"/>
+          </a:fillRef>
+          <a:effectRef idx="0">
+            <a:schemeClr val="accent1"/>
+          </a:effectRef>
+          <a:fontRef idx="minor">
+            <a:schemeClr val="lt1"/>
+          </a:fontRef>
+        </p:style>
+        <p:txBody>
+          <a:bodyPr rtlCol="0" anchor="ctr"/>
+          <a:lstStyle/>
+          <a:p>
+            <a:pPr algn="ctr"/>
+            <a:endParaRPr lang="en-US"/>
+          </a:p>
+        </p:txBody>
+      </p:sp>
+      <p:sp>
+        <p:nvSpPr>
+          <p:cNvPr id="41" name="Rectangle 35">
+            <a:extLst>
+              <a:ext uri="{FF2B5EF4-FFF2-40B4-BE49-F238E27FC236}">
+                <a16:creationId xmlns:a16="http://schemas.microsoft.com/office/drawing/2014/main" id="{1A9F23AD-7A55-49F3-A3EC-743F47F36B0E}"/>
+              </a:ext>
+              <a:ext uri="{C183D7F6-B498-43B3-948B-1728B52AA6E4}">
+                <adec:decorative xmlns:adec="http://schemas.microsoft.com/office/drawing/2017/decorative" val="1"/>
+              </a:ext>
+            </a:extLst>
+          </p:cNvPr>
+          <p:cNvSpPr>
+            <a:spLocks noGrp="1" noRot="1" noChangeAspect="1" noMove="1" noResize="1" noEditPoints="1" noAdjustHandles="1" noChangeArrowheads="1" noChangeShapeType="1" noTextEdit="1"/>
+          </p:cNvSpPr>
+          <p:nvPr>
+            <p:extLst>
+              <p:ext uri="{386F3935-93C4-4BCD-93E2-E3B085C9AB24}">
+                <p16:designElem xmlns:p16="http://schemas.microsoft.com/office/powerpoint/2015/main" val="1"/>
+              </p:ext>
+            </p:extLst>
+          </p:nvPr>
+        </p:nvSpPr>
+        <p:spPr>
+          <a:xfrm>
+            <a:off x="477012" y="487090"/>
+            <a:ext cx="6741849" cy="5897880"/>
+          </a:xfrm>
+          <a:prstGeom prst="rect">
+            <a:avLst/>
+          </a:prstGeom>
+          <a:solidFill>
+            <a:srgbClr val="FFFFFF"/>
+          </a:solidFill>
+          <a:ln w="19050">
+            <a:solidFill>
+              <a:schemeClr val="tx1">
+                <a:lumMod val="50000"/>
+                <a:lumOff val="50000"/>
+                <a:alpha val="80000"/>
+              </a:schemeClr>
+            </a:solidFill>
+          </a:ln>
+        </p:spPr>
+        <p:style>
+          <a:lnRef idx="2">
+            <a:schemeClr val="accent1">
+              <a:shade val="50000"/>
+            </a:schemeClr>
+          </a:lnRef>
+          <a:fillRef idx="1">
+            <a:schemeClr val="accent1"/>
+          </a:fillRef>
+          <a:effectRef idx="0">
+            <a:schemeClr val="accent1"/>
+          </a:effectRef>
+          <a:fontRef idx="minor">
+            <a:schemeClr val="lt1"/>
+          </a:fontRef>
+        </p:style>
+        <p:txBody>
+          <a:bodyPr rtlCol="0" anchor="ctr"/>
+          <a:lstStyle/>
+          <a:p>
+            <a:pPr algn="ctr"/>
+            <a:endParaRPr lang="en-US"/>
+          </a:p>
+        </p:txBody>
+      </p:sp>
+      <p:pic>
+        <p:nvPicPr>
+          <p:cNvPr id="3" name="Picture 2">
+            <a:extLst>
+              <a:ext uri="{FF2B5EF4-FFF2-40B4-BE49-F238E27FC236}">
+                <a16:creationId xmlns:a16="http://schemas.microsoft.com/office/drawing/2014/main" id="{7FBB7D7D-98E8-7022-C201-7B44E5741015}"/>
+              </a:ext>
+            </a:extLst>
+          </p:cNvPr>
+          <p:cNvPicPr>
+            <a:picLocks noChangeAspect="1"/>
+          </p:cNvPicPr>
+          <p:nvPr/>
+        </p:nvPicPr>
+        <p:blipFill>
+          <a:blip r:embed="rId2"/>
+          <a:stretch>
+            <a:fillRect/>
+          </a:stretch>
+        </p:blipFill>
+        <p:spPr>
+          <a:xfrm>
+            <a:off x="641180" y="1769408"/>
+            <a:ext cx="6410084" cy="3333244"/>
+          </a:xfrm>
+          <a:prstGeom prst="rect">
+            <a:avLst/>
+          </a:prstGeom>
+        </p:spPr>
+      </p:pic>
+      <p:sp>
+        <p:nvSpPr>
+          <p:cNvPr id="38" name="Rectangle 37">
+            <a:extLst>
+              <a:ext uri="{FF2B5EF4-FFF2-40B4-BE49-F238E27FC236}">
+                <a16:creationId xmlns:a16="http://schemas.microsoft.com/office/drawing/2014/main" id="{D7D9F91F-72C9-4DB9-ABD0-A8180D8262D5}"/>
+              </a:ext>
+              <a:ext uri="{C183D7F6-B498-43B3-948B-1728B52AA6E4}">
+                <adec:decorative xmlns:adec="http://schemas.microsoft.com/office/drawing/2017/decorative" val="1"/>
+              </a:ext>
+            </a:extLst>
+          </p:cNvPr>
+          <p:cNvSpPr>
+            <a:spLocks noGrp="1" noRot="1" noChangeAspect="1" noMove="1" noResize="1" noEditPoints="1" noAdjustHandles="1" noChangeArrowheads="1" noChangeShapeType="1" noTextEdit="1"/>
+          </p:cNvSpPr>
+          <p:nvPr>
+            <p:extLst>
+              <p:ext uri="{386F3935-93C4-4BCD-93E2-E3B085C9AB24}">
+                <p16:designElem xmlns:p16="http://schemas.microsoft.com/office/powerpoint/2015/main" val="1"/>
+              </p:ext>
+            </p:extLst>
+          </p:nvPr>
+        </p:nvSpPr>
+        <p:spPr>
+          <a:xfrm>
+            <a:off x="7534655" y="480060"/>
+            <a:ext cx="4180332" cy="2788074"/>
+          </a:xfrm>
+          <a:prstGeom prst="rect">
+            <a:avLst/>
+          </a:prstGeom>
+          <a:solidFill>
+            <a:srgbClr val="FFFFFF"/>
+          </a:solidFill>
+          <a:ln w="19050">
+            <a:solidFill>
+              <a:schemeClr val="tx1">
+                <a:lumMod val="50000"/>
+                <a:lumOff val="50000"/>
+                <a:alpha val="80000"/>
+              </a:schemeClr>
+            </a:solidFill>
+          </a:ln>
+        </p:spPr>
+        <p:style>
+          <a:lnRef idx="2">
+            <a:schemeClr val="accent1">
+              <a:shade val="50000"/>
+            </a:schemeClr>
+          </a:lnRef>
+          <a:fillRef idx="1">
+            <a:schemeClr val="accent1"/>
+          </a:fillRef>
+          <a:effectRef idx="0">
+            <a:schemeClr val="accent1"/>
+          </a:effectRef>
+          <a:fontRef idx="minor">
+            <a:schemeClr val="lt1"/>
+          </a:fontRef>
+        </p:style>
+        <p:txBody>
+          <a:bodyPr rtlCol="0" anchor="ctr"/>
+          <a:lstStyle/>
+          <a:p>
+            <a:pPr algn="ctr"/>
+            <a:endParaRPr lang="en-US"/>
+          </a:p>
+        </p:txBody>
+      </p:sp>
+      <p:pic>
+        <p:nvPicPr>
+          <p:cNvPr id="5" name="Picture 4">
+            <a:extLst>
+              <a:ext uri="{FF2B5EF4-FFF2-40B4-BE49-F238E27FC236}">
+                <a16:creationId xmlns:a16="http://schemas.microsoft.com/office/drawing/2014/main" id="{4E158B26-2BDC-EE00-11EA-CF054FC93580}"/>
+              </a:ext>
+            </a:extLst>
+          </p:cNvPr>
+          <p:cNvPicPr>
+            <a:picLocks noChangeAspect="1"/>
+          </p:cNvPicPr>
+          <p:nvPr/>
+        </p:nvPicPr>
+        <p:blipFill>
+          <a:blip r:embed="rId3"/>
+          <a:stretch>
+            <a:fillRect/>
+          </a:stretch>
+        </p:blipFill>
+        <p:spPr>
+          <a:xfrm>
+            <a:off x="7695873" y="903101"/>
+            <a:ext cx="3854945" cy="1956384"/>
+          </a:xfrm>
+          <a:prstGeom prst="rect">
+            <a:avLst/>
+          </a:prstGeom>
+        </p:spPr>
+      </p:pic>
+      <p:sp>
+        <p:nvSpPr>
+          <p:cNvPr id="40" name="Rectangle 39">
+            <a:extLst>
+              <a:ext uri="{FF2B5EF4-FFF2-40B4-BE49-F238E27FC236}">
+                <a16:creationId xmlns:a16="http://schemas.microsoft.com/office/drawing/2014/main" id="{BE016956-CE9F-4946-8834-A8BC3529D0F6}"/>
+              </a:ext>
+              <a:ext uri="{C183D7F6-B498-43B3-948B-1728B52AA6E4}">
+                <adec:decorative xmlns:adec="http://schemas.microsoft.com/office/drawing/2017/decorative" val="1"/>
+              </a:ext>
+            </a:extLst>
+          </p:cNvPr>
+          <p:cNvSpPr>
+            <a:spLocks noGrp="1" noRot="1" noChangeAspect="1" noMove="1" noResize="1" noEditPoints="1" noAdjustHandles="1" noChangeArrowheads="1" noChangeShapeType="1" noTextEdit="1"/>
+          </p:cNvSpPr>
+          <p:nvPr>
+            <p:extLst>
+              <p:ext uri="{386F3935-93C4-4BCD-93E2-E3B085C9AB24}">
+                <p16:designElem xmlns:p16="http://schemas.microsoft.com/office/powerpoint/2015/main" val="1"/>
+              </p:ext>
+            </p:extLst>
+          </p:nvPr>
+        </p:nvSpPr>
+        <p:spPr>
+          <a:xfrm>
+            <a:off x="7534655" y="3603670"/>
+            <a:ext cx="4180332" cy="2788074"/>
+          </a:xfrm>
+          <a:prstGeom prst="rect">
+            <a:avLst/>
+          </a:prstGeom>
+          <a:solidFill>
+            <a:srgbClr val="FFFFFF"/>
+          </a:solidFill>
+          <a:ln w="19050">
+            <a:solidFill>
+              <a:schemeClr val="tx1">
+                <a:lumMod val="50000"/>
+                <a:lumOff val="50000"/>
+                <a:alpha val="80000"/>
+              </a:schemeClr>
+            </a:solidFill>
+          </a:ln>
+        </p:spPr>
+        <p:style>
+          <a:lnRef idx="2">
+            <a:schemeClr val="accent1">
+              <a:shade val="50000"/>
+            </a:schemeClr>
+          </a:lnRef>
+          <a:fillRef idx="1">
+            <a:schemeClr val="accent1"/>
+          </a:fillRef>
+          <a:effectRef idx="0">
+            <a:schemeClr val="accent1"/>
+          </a:effectRef>
+          <a:fontRef idx="minor">
+            <a:schemeClr val="lt1"/>
+          </a:fontRef>
+        </p:style>
+        <p:txBody>
+          <a:bodyPr rtlCol="0" anchor="ctr"/>
+          <a:lstStyle/>
+          <a:p>
+            <a:pPr algn="ctr"/>
+            <a:endParaRPr lang="en-US"/>
+          </a:p>
+        </p:txBody>
+      </p:sp>
+      <p:pic>
+        <p:nvPicPr>
+          <p:cNvPr id="7" name="Picture 6">
+            <a:extLst>
+              <a:ext uri="{FF2B5EF4-FFF2-40B4-BE49-F238E27FC236}">
+                <a16:creationId xmlns:a16="http://schemas.microsoft.com/office/drawing/2014/main" id="{141F2014-5745-8C48-445F-7E6616BE0E3A}"/>
+              </a:ext>
+            </a:extLst>
+          </p:cNvPr>
+          <p:cNvPicPr>
+            <a:picLocks noChangeAspect="1"/>
+          </p:cNvPicPr>
+          <p:nvPr/>
+        </p:nvPicPr>
+        <p:blipFill>
+          <a:blip r:embed="rId4"/>
+          <a:stretch>
+            <a:fillRect/>
+          </a:stretch>
+        </p:blipFill>
+        <p:spPr>
+          <a:xfrm>
+            <a:off x="7695873" y="4039548"/>
+            <a:ext cx="3854945" cy="1888923"/>
+          </a:xfrm>
+          <a:prstGeom prst="rect">
+            <a:avLst/>
+          </a:prstGeom>
+        </p:spPr>
+      </p:pic>
+    </p:spTree>
+    <p:extLst>
+      <p:ext uri="{BB962C8B-B14F-4D97-AF65-F5344CB8AC3E}">
+        <p14:creationId xmlns:p14="http://schemas.microsoft.com/office/powerpoint/2010/main" val="3953970676"/>
+      </p:ext>
+    </p:extLst>
+  </p:cSld>
+  <p:clrMapOvr>
+    <a:masterClrMapping/>
+  </p:clrMapOvr>
+</p:sld>
+</file>
+
+<file path=ppt/slides/slide7.xml><?xml version="1.0" encoding="utf-8"?>
+<p:sld xmlns:a="http://schemas.openxmlformats.org/drawingml/2006/main" xmlns:r="http://schemas.openxmlformats.org/officeDocument/2006/relationships" xmlns:p="http://schemas.openxmlformats.org/presentationml/2006/main">
+  <p:cSld>
+    <p:bg>
+      <p:bgPr>
+        <a:solidFill>
+          <a:schemeClr val="bg1"/>
+        </a:solidFill>
+        <a:effectLst/>
+      </p:bgPr>
+    </p:bg>
+    <p:spTree>
+      <p:nvGrpSpPr>
+        <p:cNvPr id="1" name=""/>
+        <p:cNvGrpSpPr/>
+        <p:nvPr/>
+      </p:nvGrpSpPr>
+      <p:grpSpPr>
+        <a:xfrm>
+          <a:off x="0" y="0"/>
+          <a:ext cx="0" cy="0"/>
+          <a:chOff x="0" y="0"/>
+          <a:chExt cx="0" cy="0"/>
+        </a:xfrm>
+      </p:grpSpPr>
+      <p:pic>
+        <p:nvPicPr>
+          <p:cNvPr id="2" name="Picture 1" descr="Chart, scatter chart&#10;&#10;Description automatically generated">
+            <a:extLst>
+              <a:ext uri="{FF2B5EF4-FFF2-40B4-BE49-F238E27FC236}">
+                <a16:creationId xmlns:a16="http://schemas.microsoft.com/office/drawing/2014/main" id="{4A951EF3-736A-CE39-AACD-FF4086E2389B}"/>
+              </a:ext>
+            </a:extLst>
+          </p:cNvPr>
+          <p:cNvPicPr>
+            <a:picLocks noChangeAspect="1"/>
+          </p:cNvPicPr>
+          <p:nvPr/>
+        </p:nvPicPr>
+        <p:blipFill>
+          <a:blip r:embed="rId2"/>
+          <a:stretch>
+            <a:fillRect/>
+          </a:stretch>
+        </p:blipFill>
+        <p:spPr>
+          <a:xfrm>
+            <a:off x="643467" y="2086240"/>
+            <a:ext cx="5291666" cy="2685520"/>
+          </a:xfrm>
+          <a:prstGeom prst="rect">
+            <a:avLst/>
+          </a:prstGeom>
+        </p:spPr>
+      </p:pic>
+      <p:pic>
+        <p:nvPicPr>
+          <p:cNvPr id="3" name="Picture 2" descr="Chart, scatter chart&#10;&#10;Description automatically generated">
+            <a:extLst>
+              <a:ext uri="{FF2B5EF4-FFF2-40B4-BE49-F238E27FC236}">
+                <a16:creationId xmlns:a16="http://schemas.microsoft.com/office/drawing/2014/main" id="{3CB32401-5E1D-FA02-D372-C2EB32865D3F}"/>
+              </a:ext>
+            </a:extLst>
+          </p:cNvPr>
+          <p:cNvPicPr>
+            <a:picLocks noChangeAspect="1"/>
+          </p:cNvPicPr>
+          <p:nvPr/>
+        </p:nvPicPr>
+        <p:blipFill>
+          <a:blip r:embed="rId3"/>
+          <a:stretch>
+            <a:fillRect/>
+          </a:stretch>
+        </p:blipFill>
+        <p:spPr>
+          <a:xfrm>
+            <a:off x="6256865" y="2132541"/>
+            <a:ext cx="5291667" cy="2592917"/>
+          </a:xfrm>
+          <a:prstGeom prst="rect">
+            <a:avLst/>
+          </a:prstGeom>
+        </p:spPr>
+      </p:pic>
+    </p:spTree>
+    <p:extLst>
+      <p:ext uri="{BB962C8B-B14F-4D97-AF65-F5344CB8AC3E}">
+        <p14:creationId xmlns:p14="http://schemas.microsoft.com/office/powerpoint/2010/main" val="3179414290"/>
+      </p:ext>
+    </p:extLst>
+  </p:cSld>
+  <p:clrMapOvr>
+    <a:masterClrMapping/>
+  </p:clrMapOvr>
+</p:sld>
+</file>
+
+<file path=ppt/slides/slide8.xml><?xml version="1.0" encoding="utf-8"?>
+<p:sld xmlns:a="http://schemas.openxmlformats.org/drawingml/2006/main" xmlns:r="http://schemas.openxmlformats.org/officeDocument/2006/relationships" xmlns:p="http://schemas.openxmlformats.org/presentationml/2006/main">
+  <p:cSld>
+    <p:bg>
+      <p:bgPr>
+        <a:solidFill>
+          <a:schemeClr val="bg1"/>
+        </a:solidFill>
+        <a:effectLst/>
+      </p:bgPr>
+    </p:bg>
+    <p:spTree>
+      <p:nvGrpSpPr>
+        <p:cNvPr id="1" name=""/>
+        <p:cNvGrpSpPr/>
+        <p:nvPr/>
+      </p:nvGrpSpPr>
+      <p:grpSpPr>
+        <a:xfrm>
+          <a:off x="0" y="0"/>
+          <a:ext cx="0" cy="0"/>
+          <a:chOff x="0" y="0"/>
+          <a:chExt cx="0" cy="0"/>
+        </a:xfrm>
+      </p:grpSpPr>
+      <p:sp>
+        <p:nvSpPr>
+          <p:cNvPr id="10" name="Rectangle 9">
+            <a:extLst>
+              <a:ext uri="{FF2B5EF4-FFF2-40B4-BE49-F238E27FC236}">
+                <a16:creationId xmlns:a16="http://schemas.microsoft.com/office/drawing/2014/main" id="{A9F529C3-C941-49FD-8C67-82F134F64BDB}"/>
+              </a:ext>
+              <a:ext uri="{C183D7F6-B498-43B3-948B-1728B52AA6E4}">
+                <adec:decorative xmlns:adec="http://schemas.microsoft.com/office/drawing/2017/decorative" val="1"/>
+              </a:ext>
+            </a:extLst>
+          </p:cNvPr>
+          <p:cNvSpPr>
+            <a:spLocks noGrp="1" noRot="1" noChangeAspect="1" noMove="1" noResize="1" noEditPoints="1" noAdjustHandles="1" noChangeArrowheads="1" noChangeShapeType="1" noTextEdit="1"/>
+          </p:cNvSpPr>
+          <p:nvPr>
+            <p:extLst>
+              <p:ext uri="{386F3935-93C4-4BCD-93E2-E3B085C9AB24}">
+                <p16:designElem xmlns:p16="http://schemas.microsoft.com/office/powerpoint/2015/main" val="1"/>
+              </p:ext>
+            </p:extLst>
+          </p:nvPr>
+        </p:nvSpPr>
+        <p:spPr>
+          <a:xfrm>
+            <a:off x="0" y="0"/>
+            <a:ext cx="12192000" cy="6858000"/>
+          </a:xfrm>
+          <a:prstGeom prst="rect">
+            <a:avLst/>
+          </a:prstGeom>
+          <a:solidFill>
+            <a:schemeClr val="tx1">
+              <a:lumMod val="50000"/>
+              <a:lumOff val="50000"/>
+              <a:alpha val="30000"/>
+            </a:schemeClr>
+          </a:solidFill>
+          <a:ln>
+            <a:noFill/>
+          </a:ln>
+        </p:spPr>
+        <p:style>
+          <a:lnRef idx="2">
+            <a:schemeClr val="accent1">
+              <a:shade val="50000"/>
+            </a:schemeClr>
+          </a:lnRef>
+          <a:fillRef idx="1">
+            <a:schemeClr val="accent1"/>
+          </a:fillRef>
+          <a:effectRef idx="0">
+            <a:schemeClr val="accent1"/>
+          </a:effectRef>
+          <a:fontRef idx="minor">
+            <a:schemeClr val="lt1"/>
+          </a:fontRef>
+        </p:style>
+        <p:txBody>
+          <a:bodyPr rtlCol="0" anchor="ctr"/>
+          <a:lstStyle/>
+          <a:p>
+            <a:pPr algn="ctr"/>
+            <a:endParaRPr lang="en-US"/>
+          </a:p>
+        </p:txBody>
+      </p:sp>
+      <p:sp>
+        <p:nvSpPr>
+          <p:cNvPr id="12" name="Rectangle 11">
+            <a:extLst>
+              <a:ext uri="{FF2B5EF4-FFF2-40B4-BE49-F238E27FC236}">
+                <a16:creationId xmlns:a16="http://schemas.microsoft.com/office/drawing/2014/main" id="{20586029-32A0-47E5-9AEC-AE3ABA6B94D0}"/>
+              </a:ext>
+              <a:ext uri="{C183D7F6-B498-43B3-948B-1728B52AA6E4}">
+                <adec:decorative xmlns:adec="http://schemas.microsoft.com/office/drawing/2017/decorative" val="1"/>
+              </a:ext>
+            </a:extLst>
+          </p:cNvPr>
+          <p:cNvSpPr>
+            <a:spLocks noGrp="1" noRot="1" noChangeAspect="1" noMove="1" noResize="1" noEditPoints="1" noAdjustHandles="1" noChangeArrowheads="1" noChangeShapeType="1" noTextEdit="1"/>
+          </p:cNvSpPr>
+          <p:nvPr>
+            <p:extLst>
+              <p:ext uri="{386F3935-93C4-4BCD-93E2-E3B085C9AB24}">
+                <p16:designElem xmlns:p16="http://schemas.microsoft.com/office/powerpoint/2015/main" val="1"/>
+              </p:ext>
+            </p:extLst>
+          </p:nvPr>
+        </p:nvSpPr>
+        <p:spPr>
+          <a:xfrm>
+            <a:off x="477012" y="480060"/>
+            <a:ext cx="11237976" cy="5897880"/>
+          </a:xfrm>
+          <a:prstGeom prst="rect">
+            <a:avLst/>
+          </a:prstGeom>
+          <a:solidFill>
+            <a:srgbClr val="FFFFFF"/>
+          </a:solidFill>
+          <a:ln w="9525">
+            <a:noFill/>
+          </a:ln>
+          <a:effectLst>
+            <a:outerShdw blurRad="63500" dist="17780" dir="5400000" algn="t" rotWithShape="0">
+              <a:prstClr val="black">
+                <a:alpha val="43000"/>
+              </a:prstClr>
+            </a:outerShdw>
+          </a:effectLst>
+        </p:spPr>
+        <p:style>
+          <a:lnRef idx="2">
+            <a:schemeClr val="accent1">
+              <a:shade val="50000"/>
+            </a:schemeClr>
+          </a:lnRef>
+          <a:fillRef idx="1">
+            <a:schemeClr val="accent1"/>
+          </a:fillRef>
+          <a:effectRef idx="0">
+            <a:schemeClr val="accent1"/>
+          </a:effectRef>
+          <a:fontRef idx="minor">
+            <a:schemeClr val="lt1"/>
+          </a:fontRef>
+        </p:style>
+        <p:txBody>
+          <a:bodyPr rtlCol="0" anchor="ctr"/>
+          <a:lstStyle/>
+          <a:p>
+            <a:pPr algn="ctr"/>
+            <a:endParaRPr lang="en-US"/>
+          </a:p>
+        </p:txBody>
+      </p:sp>
+      <p:pic>
+        <p:nvPicPr>
+          <p:cNvPr id="4" name="Picture 3" descr="Table&#10;&#10;Description automatically generated">
+            <a:extLst>
+              <a:ext uri="{FF2B5EF4-FFF2-40B4-BE49-F238E27FC236}">
+                <a16:creationId xmlns:a16="http://schemas.microsoft.com/office/drawing/2014/main" id="{8BBC062C-E777-46DA-089B-5E7131ED6828}"/>
+              </a:ext>
+            </a:extLst>
+          </p:cNvPr>
+          <p:cNvPicPr>
+            <a:picLocks noChangeAspect="1"/>
+          </p:cNvPicPr>
+          <p:nvPr/>
+        </p:nvPicPr>
+        <p:blipFill>
+          <a:blip r:embed="rId2">
+            <a:extLst>
+              <a:ext uri="{28A0092B-C50C-407E-A947-70E740481C1C}">
+                <a14:useLocalDpi xmlns:a14="http://schemas.microsoft.com/office/drawing/2010/main" val="0"/>
+              </a:ext>
+            </a:extLst>
+          </a:blip>
+          <a:stretch>
+            <a:fillRect/>
+          </a:stretch>
+        </p:blipFill>
+        <p:spPr>
+          <a:xfrm>
+            <a:off x="643467" y="2224451"/>
+            <a:ext cx="5294716" cy="2409095"/>
+          </a:xfrm>
+          <a:prstGeom prst="rect">
+            <a:avLst/>
+          </a:prstGeom>
+        </p:spPr>
+      </p:pic>
+      <p:cxnSp>
+        <p:nvCxnSpPr>
+          <p:cNvPr id="14" name="Straight Connector 13">
+            <a:extLst>
+              <a:ext uri="{FF2B5EF4-FFF2-40B4-BE49-F238E27FC236}">
+                <a16:creationId xmlns:a16="http://schemas.microsoft.com/office/drawing/2014/main" id="{8C730EAB-A532-4295-A302-FB4B90DB9F5E}"/>
+              </a:ext>
+              <a:ext uri="{C183D7F6-B498-43B3-948B-1728B52AA6E4}">
+                <adec:decorative xmlns:adec="http://schemas.microsoft.com/office/drawing/2017/decorative" val="1"/>
+              </a:ext>
+            </a:extLst>
+          </p:cNvPr>
+          <p:cNvCxnSpPr>
+            <a:cxnSpLocks noGrp="1" noRot="1" noChangeAspect="1" noMove="1" noResize="1" noEditPoints="1" noAdjustHandles="1" noChangeArrowheads="1" noChangeShapeType="1"/>
+          </p:cNvCxnSpPr>
+          <p:nvPr>
+            <p:extLst>
+              <p:ext uri="{386F3935-93C4-4BCD-93E2-E3B085C9AB24}">
+                <p16:designElem xmlns:p16="http://schemas.microsoft.com/office/powerpoint/2015/main" val="1"/>
+              </p:ext>
+            </p:extLst>
+          </p:nvPr>
+        </p:nvCxnSpPr>
+        <p:spPr>
+          <a:xfrm>
+            <a:off x="6079958" y="1143000"/>
+            <a:ext cx="0" cy="4572000"/>
+          </a:xfrm>
+          <a:prstGeom prst="line">
+            <a:avLst/>
+          </a:prstGeom>
+          <a:ln>
+            <a:solidFill>
+              <a:srgbClr val="4E4E4E"/>
+            </a:solidFill>
+          </a:ln>
+        </p:spPr>
+        <p:style>
+          <a:lnRef idx="1">
+            <a:schemeClr val="accent1"/>
+          </a:lnRef>
+          <a:fillRef idx="0">
+            <a:schemeClr val="accent1"/>
+          </a:fillRef>
+          <a:effectRef idx="0">
+            <a:schemeClr val="accent1"/>
+          </a:effectRef>
+          <a:fontRef idx="minor">
+            <a:schemeClr val="tx1"/>
+          </a:fontRef>
+        </p:style>
+      </p:cxnSp>
+      <p:pic>
+        <p:nvPicPr>
+          <p:cNvPr id="5" name="Picture 4">
+            <a:extLst>
+              <a:ext uri="{FF2B5EF4-FFF2-40B4-BE49-F238E27FC236}">
+                <a16:creationId xmlns:a16="http://schemas.microsoft.com/office/drawing/2014/main" id="{DEF0B8E8-21E0-6A9D-3F74-0531D6C95C12}"/>
+              </a:ext>
+            </a:extLst>
+          </p:cNvPr>
+          <p:cNvPicPr>
+            <a:picLocks noChangeAspect="1"/>
+          </p:cNvPicPr>
+          <p:nvPr/>
+        </p:nvPicPr>
+        <p:blipFill>
+          <a:blip r:embed="rId3"/>
+          <a:stretch>
+            <a:fillRect/>
+          </a:stretch>
+        </p:blipFill>
+        <p:spPr>
+          <a:xfrm>
+            <a:off x="6253818" y="2125176"/>
+            <a:ext cx="5294715" cy="2607647"/>
+          </a:xfrm>
+          <a:prstGeom prst="rect">
+            <a:avLst/>
+          </a:prstGeom>
+        </p:spPr>
+      </p:pic>
+    </p:spTree>
+    <p:extLst>
+      <p:ext uri="{BB962C8B-B14F-4D97-AF65-F5344CB8AC3E}">
+        <p14:creationId xmlns:p14="http://schemas.microsoft.com/office/powerpoint/2010/main" val="3577334871"/>
+      </p:ext>
+    </p:extLst>
+  </p:cSld>
+  <p:clrMapOvr>
+    <a:masterClrMapping/>
+  </p:clrMapOvr>
+</p:sld>
+</file>
+
+<file path=ppt/slides/slide9.xml><?xml version="1.0" encoding="utf-8"?>
+<p:sld xmlns:a="http://schemas.openxmlformats.org/drawingml/2006/main" xmlns:r="http://schemas.openxmlformats.org/officeDocument/2006/relationships" xmlns:p="http://schemas.openxmlformats.org/presentationml/2006/main">
+  <p:cSld>
+    <p:spTree>
+      <p:nvGrpSpPr>
+        <p:cNvPr id="1" name=""/>
+        <p:cNvGrpSpPr/>
+        <p:nvPr/>
+      </p:nvGrpSpPr>
+      <p:grpSpPr>
+        <a:xfrm>
+          <a:off x="0" y="0"/>
+          <a:ext cx="0" cy="0"/>
+          <a:chOff x="0" y="0"/>
+          <a:chExt cx="0" cy="0"/>
+        </a:xfrm>
+      </p:grpSpPr>
+      <p:pic>
+        <p:nvPicPr>
+          <p:cNvPr id="3" name="Picture 2">
+            <a:extLst>
+              <a:ext uri="{FF2B5EF4-FFF2-40B4-BE49-F238E27FC236}">
+                <a16:creationId xmlns:a16="http://schemas.microsoft.com/office/drawing/2014/main" id="{F5E68470-39D4-4D48-30E9-9EF7B167791F}"/>
+              </a:ext>
+            </a:extLst>
+          </p:cNvPr>
+          <p:cNvPicPr>
+            <a:picLocks noChangeAspect="1"/>
+          </p:cNvPicPr>
+          <p:nvPr/>
+        </p:nvPicPr>
+        <p:blipFill>
+          <a:blip r:embed="rId2"/>
+          <a:stretch>
+            <a:fillRect/>
+          </a:stretch>
+        </p:blipFill>
+        <p:spPr>
+          <a:xfrm>
+            <a:off x="156333" y="504417"/>
+            <a:ext cx="11879333" cy="5849166"/>
+          </a:xfrm>
+          <a:prstGeom prst="rect">
+            <a:avLst/>
+          </a:prstGeom>
+        </p:spPr>
+      </p:pic>
+    </p:spTree>
+    <p:extLst>
+      <p:ext uri="{BB962C8B-B14F-4D97-AF65-F5344CB8AC3E}">
+        <p14:creationId xmlns:p14="http://schemas.microsoft.com/office/powerpoint/2010/main" val="579329543"/>
       </p:ext>
     </p:extLst>
   </p:cSld>

--- a/ref/pic.pptx
+++ b/ref/pic.pptx
@@ -18,6 +18,11 @@
     <p:sldId id="266" r:id="rId12"/>
     <p:sldId id="267" r:id="rId13"/>
     <p:sldId id="268" r:id="rId14"/>
+    <p:sldId id="269" r:id="rId15"/>
+    <p:sldId id="270" r:id="rId16"/>
+    <p:sldId id="271" r:id="rId17"/>
+    <p:sldId id="272" r:id="rId18"/>
+    <p:sldId id="273" r:id="rId19"/>
   </p:sldIdLst>
   <p:sldSz cx="12192000" cy="6858000"/>
   <p:notesSz cx="6858000" cy="9144000"/>
@@ -271,7 +276,7 @@
           <a:p>
             <a:fld id="{E700C44F-DF2E-4F24-99FB-BFA872EF895F}" type="datetimeFigureOut">
               <a:rPr lang="en-US" smtClean="0"/>
-              <a:t>11/3/2022</a:t>
+              <a:t>11/4/2022</a:t>
             </a:fld>
             <a:endParaRPr lang="en-US"/>
           </a:p>
@@ -469,7 +474,7 @@
           <a:p>
             <a:fld id="{E700C44F-DF2E-4F24-99FB-BFA872EF895F}" type="datetimeFigureOut">
               <a:rPr lang="en-US" smtClean="0"/>
-              <a:t>11/3/2022</a:t>
+              <a:t>11/4/2022</a:t>
             </a:fld>
             <a:endParaRPr lang="en-US"/>
           </a:p>
@@ -677,7 +682,7 @@
           <a:p>
             <a:fld id="{E700C44F-DF2E-4F24-99FB-BFA872EF895F}" type="datetimeFigureOut">
               <a:rPr lang="en-US" smtClean="0"/>
-              <a:t>11/3/2022</a:t>
+              <a:t>11/4/2022</a:t>
             </a:fld>
             <a:endParaRPr lang="en-US"/>
           </a:p>
@@ -875,7 +880,7 @@
           <a:p>
             <a:fld id="{E700C44F-DF2E-4F24-99FB-BFA872EF895F}" type="datetimeFigureOut">
               <a:rPr lang="en-US" smtClean="0"/>
-              <a:t>11/3/2022</a:t>
+              <a:t>11/4/2022</a:t>
             </a:fld>
             <a:endParaRPr lang="en-US"/>
           </a:p>
@@ -1150,7 +1155,7 @@
           <a:p>
             <a:fld id="{E700C44F-DF2E-4F24-99FB-BFA872EF895F}" type="datetimeFigureOut">
               <a:rPr lang="en-US" smtClean="0"/>
-              <a:t>11/3/2022</a:t>
+              <a:t>11/4/2022</a:t>
             </a:fld>
             <a:endParaRPr lang="en-US"/>
           </a:p>
@@ -1415,7 +1420,7 @@
           <a:p>
             <a:fld id="{E700C44F-DF2E-4F24-99FB-BFA872EF895F}" type="datetimeFigureOut">
               <a:rPr lang="en-US" smtClean="0"/>
-              <a:t>11/3/2022</a:t>
+              <a:t>11/4/2022</a:t>
             </a:fld>
             <a:endParaRPr lang="en-US"/>
           </a:p>
@@ -1827,7 +1832,7 @@
           <a:p>
             <a:fld id="{E700C44F-DF2E-4F24-99FB-BFA872EF895F}" type="datetimeFigureOut">
               <a:rPr lang="en-US" smtClean="0"/>
-              <a:t>11/3/2022</a:t>
+              <a:t>11/4/2022</a:t>
             </a:fld>
             <a:endParaRPr lang="en-US"/>
           </a:p>
@@ -1968,7 +1973,7 @@
           <a:p>
             <a:fld id="{E700C44F-DF2E-4F24-99FB-BFA872EF895F}" type="datetimeFigureOut">
               <a:rPr lang="en-US" smtClean="0"/>
-              <a:t>11/3/2022</a:t>
+              <a:t>11/4/2022</a:t>
             </a:fld>
             <a:endParaRPr lang="en-US"/>
           </a:p>
@@ -2081,7 +2086,7 @@
           <a:p>
             <a:fld id="{E700C44F-DF2E-4F24-99FB-BFA872EF895F}" type="datetimeFigureOut">
               <a:rPr lang="en-US" smtClean="0"/>
-              <a:t>11/3/2022</a:t>
+              <a:t>11/4/2022</a:t>
             </a:fld>
             <a:endParaRPr lang="en-US"/>
           </a:p>
@@ -2392,7 +2397,7 @@
           <a:p>
             <a:fld id="{E700C44F-DF2E-4F24-99FB-BFA872EF895F}" type="datetimeFigureOut">
               <a:rPr lang="en-US" smtClean="0"/>
-              <a:t>11/3/2022</a:t>
+              <a:t>11/4/2022</a:t>
             </a:fld>
             <a:endParaRPr lang="en-US"/>
           </a:p>
@@ -2680,7 +2685,7 @@
           <a:p>
             <a:fld id="{E700C44F-DF2E-4F24-99FB-BFA872EF895F}" type="datetimeFigureOut">
               <a:rPr lang="en-US" smtClean="0"/>
-              <a:t>11/3/2022</a:t>
+              <a:t>11/4/2022</a:t>
             </a:fld>
             <a:endParaRPr lang="en-US"/>
           </a:p>
@@ -2921,7 +2926,7 @@
           <a:p>
             <a:fld id="{E700C44F-DF2E-4F24-99FB-BFA872EF895F}" type="datetimeFigureOut">
               <a:rPr lang="en-US" smtClean="0"/>
-              <a:t>11/3/2022</a:t>
+              <a:t>11/4/2022</a:t>
             </a:fld>
             <a:endParaRPr lang="en-US"/>
           </a:p>
@@ -3958,6 +3963,14 @@
 <file path=ppt/slides/slide13.xml><?xml version="1.0" encoding="utf-8"?>
 <p:sld xmlns:a="http://schemas.openxmlformats.org/drawingml/2006/main" xmlns:r="http://schemas.openxmlformats.org/officeDocument/2006/relationships" xmlns:p="http://schemas.openxmlformats.org/presentationml/2006/main">
   <p:cSld>
+    <p:bg>
+      <p:bgPr>
+        <a:solidFill>
+          <a:schemeClr val="bg1"/>
+        </a:solidFill>
+        <a:effectLst/>
+      </p:bgPr>
+    </p:bg>
     <p:spTree>
       <p:nvGrpSpPr>
         <p:cNvPr id="1" name=""/>
@@ -3972,10 +3985,1277 @@
           <a:chExt cx="0" cy="0"/>
         </a:xfrm>
       </p:grpSpPr>
+      <p:pic>
+        <p:nvPicPr>
+          <p:cNvPr id="3" name="Picture 2">
+            <a:extLst>
+              <a:ext uri="{FF2B5EF4-FFF2-40B4-BE49-F238E27FC236}">
+                <a16:creationId xmlns:a16="http://schemas.microsoft.com/office/drawing/2014/main" id="{B8011211-256A-8645-80C9-7B335F83BABE}"/>
+              </a:ext>
+            </a:extLst>
+          </p:cNvPr>
+          <p:cNvPicPr>
+            <a:picLocks noChangeAspect="1"/>
+          </p:cNvPicPr>
+          <p:nvPr/>
+        </p:nvPicPr>
+        <p:blipFill>
+          <a:blip r:embed="rId2"/>
+          <a:stretch>
+            <a:fillRect/>
+          </a:stretch>
+        </p:blipFill>
+        <p:spPr>
+          <a:xfrm>
+            <a:off x="458740" y="202791"/>
+            <a:ext cx="5291666" cy="3108853"/>
+          </a:xfrm>
+          <a:prstGeom prst="rect">
+            <a:avLst/>
+          </a:prstGeom>
+        </p:spPr>
+      </p:pic>
+      <p:pic>
+        <p:nvPicPr>
+          <p:cNvPr id="5" name="Picture 4">
+            <a:extLst>
+              <a:ext uri="{FF2B5EF4-FFF2-40B4-BE49-F238E27FC236}">
+                <a16:creationId xmlns:a16="http://schemas.microsoft.com/office/drawing/2014/main" id="{B59E4637-D60E-95E9-4306-4C6DB4E9B759}"/>
+              </a:ext>
+            </a:extLst>
+          </p:cNvPr>
+          <p:cNvPicPr>
+            <a:picLocks noChangeAspect="1"/>
+          </p:cNvPicPr>
+          <p:nvPr/>
+        </p:nvPicPr>
+        <p:blipFill>
+          <a:blip r:embed="rId3"/>
+          <a:stretch>
+            <a:fillRect/>
+          </a:stretch>
+        </p:blipFill>
+        <p:spPr>
+          <a:xfrm>
+            <a:off x="5935133" y="481237"/>
+            <a:ext cx="5291667" cy="3055937"/>
+          </a:xfrm>
+          <a:prstGeom prst="rect">
+            <a:avLst/>
+          </a:prstGeom>
+        </p:spPr>
+      </p:pic>
     </p:spTree>
     <p:extLst>
       <p:ext uri="{BB962C8B-B14F-4D97-AF65-F5344CB8AC3E}">
         <p14:creationId xmlns:p14="http://schemas.microsoft.com/office/powerpoint/2010/main" val="3666984623"/>
+      </p:ext>
+    </p:extLst>
+  </p:cSld>
+  <p:clrMapOvr>
+    <a:masterClrMapping/>
+  </p:clrMapOvr>
+</p:sld>
+</file>
+
+<file path=ppt/slides/slide14.xml><?xml version="1.0" encoding="utf-8"?>
+<p:sld xmlns:a="http://schemas.openxmlformats.org/drawingml/2006/main" xmlns:r="http://schemas.openxmlformats.org/officeDocument/2006/relationships" xmlns:p="http://schemas.openxmlformats.org/presentationml/2006/main">
+  <p:cSld>
+    <p:bg>
+      <p:bgPr>
+        <a:solidFill>
+          <a:schemeClr val="bg1"/>
+        </a:solidFill>
+        <a:effectLst/>
+      </p:bgPr>
+    </p:bg>
+    <p:spTree>
+      <p:nvGrpSpPr>
+        <p:cNvPr id="1" name=""/>
+        <p:cNvGrpSpPr/>
+        <p:nvPr/>
+      </p:nvGrpSpPr>
+      <p:grpSpPr>
+        <a:xfrm>
+          <a:off x="0" y="0"/>
+          <a:ext cx="0" cy="0"/>
+          <a:chOff x="0" y="0"/>
+          <a:chExt cx="0" cy="0"/>
+        </a:xfrm>
+      </p:grpSpPr>
+      <p:pic>
+        <p:nvPicPr>
+          <p:cNvPr id="3" name="Picture 2">
+            <a:extLst>
+              <a:ext uri="{FF2B5EF4-FFF2-40B4-BE49-F238E27FC236}">
+                <a16:creationId xmlns:a16="http://schemas.microsoft.com/office/drawing/2014/main" id="{8F189FDA-9B8C-FEA2-15A7-EDB63E79ACE6}"/>
+              </a:ext>
+            </a:extLst>
+          </p:cNvPr>
+          <p:cNvPicPr>
+            <a:picLocks noChangeAspect="1"/>
+          </p:cNvPicPr>
+          <p:nvPr/>
+        </p:nvPicPr>
+        <p:blipFill>
+          <a:blip r:embed="rId2"/>
+          <a:stretch>
+            <a:fillRect/>
+          </a:stretch>
+        </p:blipFill>
+        <p:spPr>
+          <a:xfrm>
+            <a:off x="1115616" y="1488370"/>
+            <a:ext cx="3292524" cy="1333471"/>
+          </a:xfrm>
+          <a:prstGeom prst="rect">
+            <a:avLst/>
+          </a:prstGeom>
+        </p:spPr>
+      </p:pic>
+      <p:cxnSp>
+        <p:nvCxnSpPr>
+          <p:cNvPr id="17" name="Straight Connector 16">
+            <a:extLst>
+              <a:ext uri="{FF2B5EF4-FFF2-40B4-BE49-F238E27FC236}">
+                <a16:creationId xmlns:a16="http://schemas.microsoft.com/office/drawing/2014/main" id="{D4BDCD00-BA97-40D8-93CD-0A9CA931BE17}"/>
+              </a:ext>
+              <a:ext uri="{C183D7F6-B498-43B3-948B-1728B52AA6E4}">
+                <adec:decorative xmlns:adec="http://schemas.microsoft.com/office/drawing/2017/decorative" val="1"/>
+              </a:ext>
+            </a:extLst>
+          </p:cNvPr>
+          <p:cNvCxnSpPr>
+            <a:cxnSpLocks noGrp="1" noRot="1" noChangeAspect="1" noMove="1" noResize="1" noEditPoints="1" noAdjustHandles="1" noChangeArrowheads="1" noChangeShapeType="1"/>
+          </p:cNvCxnSpPr>
+          <p:nvPr>
+            <p:extLst>
+              <p:ext uri="{386F3935-93C4-4BCD-93E2-E3B085C9AB24}">
+                <p16:designElem xmlns:p16="http://schemas.microsoft.com/office/powerpoint/2015/main" val="1"/>
+              </p:ext>
+            </p:extLst>
+          </p:nvPr>
+        </p:nvCxnSpPr>
+        <p:spPr>
+          <a:xfrm>
+            <a:off x="1402080" y="3429000"/>
+            <a:ext cx="2636520" cy="0"/>
+          </a:xfrm>
+          <a:prstGeom prst="line">
+            <a:avLst/>
+          </a:prstGeom>
+          <a:ln w="19050">
+            <a:solidFill>
+              <a:srgbClr val="7F7F7F"/>
+            </a:solidFill>
+          </a:ln>
+        </p:spPr>
+        <p:style>
+          <a:lnRef idx="1">
+            <a:schemeClr val="accent1"/>
+          </a:lnRef>
+          <a:fillRef idx="0">
+            <a:schemeClr val="accent1"/>
+          </a:fillRef>
+          <a:effectRef idx="0">
+            <a:schemeClr val="accent1"/>
+          </a:effectRef>
+          <a:fontRef idx="minor">
+            <a:schemeClr val="tx1"/>
+          </a:fontRef>
+        </p:style>
+      </p:cxnSp>
+      <p:pic>
+        <p:nvPicPr>
+          <p:cNvPr id="2" name="Picture 1">
+            <a:extLst>
+              <a:ext uri="{FF2B5EF4-FFF2-40B4-BE49-F238E27FC236}">
+                <a16:creationId xmlns:a16="http://schemas.microsoft.com/office/drawing/2014/main" id="{C8E468E7-AAA4-F783-F635-822B79ABC40B}"/>
+              </a:ext>
+            </a:extLst>
+          </p:cNvPr>
+          <p:cNvPicPr>
+            <a:picLocks noChangeAspect="1"/>
+          </p:cNvPicPr>
+          <p:nvPr/>
+        </p:nvPicPr>
+        <p:blipFill>
+          <a:blip r:embed="rId3"/>
+          <a:stretch>
+            <a:fillRect/>
+          </a:stretch>
+        </p:blipFill>
+        <p:spPr>
+          <a:xfrm>
+            <a:off x="1129115" y="4019424"/>
+            <a:ext cx="3279025" cy="1360795"/>
+          </a:xfrm>
+          <a:prstGeom prst="rect">
+            <a:avLst/>
+          </a:prstGeom>
+        </p:spPr>
+      </p:pic>
+      <p:cxnSp>
+        <p:nvCxnSpPr>
+          <p:cNvPr id="19" name="Straight Connector 18">
+            <a:extLst>
+              <a:ext uri="{FF2B5EF4-FFF2-40B4-BE49-F238E27FC236}">
+                <a16:creationId xmlns:a16="http://schemas.microsoft.com/office/drawing/2014/main" id="{2D631E40-F51C-4828-B23B-DF903513296E}"/>
+              </a:ext>
+              <a:ext uri="{C183D7F6-B498-43B3-948B-1728B52AA6E4}">
+                <adec:decorative xmlns:adec="http://schemas.microsoft.com/office/drawing/2017/decorative" val="1"/>
+              </a:ext>
+            </a:extLst>
+          </p:cNvPr>
+          <p:cNvCxnSpPr>
+            <a:cxnSpLocks noGrp="1" noRot="1" noChangeAspect="1" noMove="1" noResize="1" noEditPoints="1" noAdjustHandles="1" noChangeArrowheads="1" noChangeShapeType="1"/>
+          </p:cNvCxnSpPr>
+          <p:nvPr>
+            <p:extLst>
+              <p:ext uri="{386F3935-93C4-4BCD-93E2-E3B085C9AB24}">
+                <p16:designElem xmlns:p16="http://schemas.microsoft.com/office/powerpoint/2015/main" val="1"/>
+              </p:ext>
+            </p:extLst>
+          </p:nvPr>
+        </p:nvCxnSpPr>
+        <p:spPr>
+          <a:xfrm>
+            <a:off x="4654296" y="1573887"/>
+            <a:ext cx="0" cy="3710227"/>
+          </a:xfrm>
+          <a:prstGeom prst="line">
+            <a:avLst/>
+          </a:prstGeom>
+          <a:ln w="19050">
+            <a:solidFill>
+              <a:srgbClr val="7F7F7F"/>
+            </a:solidFill>
+          </a:ln>
+        </p:spPr>
+        <p:style>
+          <a:lnRef idx="1">
+            <a:schemeClr val="accent1"/>
+          </a:lnRef>
+          <a:fillRef idx="0">
+            <a:schemeClr val="accent1"/>
+          </a:fillRef>
+          <a:effectRef idx="0">
+            <a:schemeClr val="accent1"/>
+          </a:effectRef>
+          <a:fontRef idx="minor">
+            <a:schemeClr val="tx1"/>
+          </a:fontRef>
+        </p:style>
+      </p:cxnSp>
+      <p:pic>
+        <p:nvPicPr>
+          <p:cNvPr id="4" name="Picture 3" descr="Chart, scatter chart&#10;&#10;Description automatically generated">
+            <a:extLst>
+              <a:ext uri="{FF2B5EF4-FFF2-40B4-BE49-F238E27FC236}">
+                <a16:creationId xmlns:a16="http://schemas.microsoft.com/office/drawing/2014/main" id="{382AF76B-2612-D9AE-7B92-2C6DC5C6843F}"/>
+              </a:ext>
+            </a:extLst>
+          </p:cNvPr>
+          <p:cNvPicPr>
+            <a:picLocks noChangeAspect="1"/>
+          </p:cNvPicPr>
+          <p:nvPr/>
+        </p:nvPicPr>
+        <p:blipFill>
+          <a:blip r:embed="rId4"/>
+          <a:stretch>
+            <a:fillRect/>
+          </a:stretch>
+        </p:blipFill>
+        <p:spPr>
+          <a:xfrm>
+            <a:off x="4886676" y="1887512"/>
+            <a:ext cx="6184580" cy="3076829"/>
+          </a:xfrm>
+          <a:prstGeom prst="rect">
+            <a:avLst/>
+          </a:prstGeom>
+        </p:spPr>
+      </p:pic>
+    </p:spTree>
+    <p:extLst>
+      <p:ext uri="{BB962C8B-B14F-4D97-AF65-F5344CB8AC3E}">
+        <p14:creationId xmlns:p14="http://schemas.microsoft.com/office/powerpoint/2010/main" val="2615369138"/>
+      </p:ext>
+    </p:extLst>
+  </p:cSld>
+  <p:clrMapOvr>
+    <a:masterClrMapping/>
+  </p:clrMapOvr>
+</p:sld>
+</file>
+
+<file path=ppt/slides/slide15.xml><?xml version="1.0" encoding="utf-8"?>
+<p:sld xmlns:a="http://schemas.openxmlformats.org/drawingml/2006/main" xmlns:r="http://schemas.openxmlformats.org/officeDocument/2006/relationships" xmlns:p="http://schemas.openxmlformats.org/presentationml/2006/main">
+  <p:cSld>
+    <p:spTree>
+      <p:nvGrpSpPr>
+        <p:cNvPr id="1" name=""/>
+        <p:cNvGrpSpPr/>
+        <p:nvPr/>
+      </p:nvGrpSpPr>
+      <p:grpSpPr>
+        <a:xfrm>
+          <a:off x="0" y="0"/>
+          <a:ext cx="0" cy="0"/>
+          <a:chOff x="0" y="0"/>
+          <a:chExt cx="0" cy="0"/>
+        </a:xfrm>
+      </p:grpSpPr>
+      <p:pic>
+        <p:nvPicPr>
+          <p:cNvPr id="3" name="Picture 2">
+            <a:extLst>
+              <a:ext uri="{FF2B5EF4-FFF2-40B4-BE49-F238E27FC236}">
+                <a16:creationId xmlns:a16="http://schemas.microsoft.com/office/drawing/2014/main" id="{90DD8C81-A105-F7B3-E806-0BBDB19702E4}"/>
+              </a:ext>
+            </a:extLst>
+          </p:cNvPr>
+          <p:cNvPicPr>
+            <a:picLocks noChangeAspect="1"/>
+          </p:cNvPicPr>
+          <p:nvPr/>
+        </p:nvPicPr>
+        <p:blipFill>
+          <a:blip r:embed="rId2"/>
+          <a:stretch>
+            <a:fillRect/>
+          </a:stretch>
+        </p:blipFill>
+        <p:spPr>
+          <a:xfrm>
+            <a:off x="2519849" y="1724904"/>
+            <a:ext cx="5820587" cy="1971950"/>
+          </a:xfrm>
+          <a:prstGeom prst="rect">
+            <a:avLst/>
+          </a:prstGeom>
+        </p:spPr>
+      </p:pic>
+    </p:spTree>
+    <p:extLst>
+      <p:ext uri="{BB962C8B-B14F-4D97-AF65-F5344CB8AC3E}">
+        <p14:creationId xmlns:p14="http://schemas.microsoft.com/office/powerpoint/2010/main" val="2433571184"/>
+      </p:ext>
+    </p:extLst>
+  </p:cSld>
+  <p:clrMapOvr>
+    <a:masterClrMapping/>
+  </p:clrMapOvr>
+</p:sld>
+</file>
+
+<file path=ppt/slides/slide16.xml><?xml version="1.0" encoding="utf-8"?>
+<p:sld xmlns:a="http://schemas.openxmlformats.org/drawingml/2006/main" xmlns:r="http://schemas.openxmlformats.org/officeDocument/2006/relationships" xmlns:p="http://schemas.openxmlformats.org/presentationml/2006/main">
+  <p:cSld>
+    <p:bg>
+      <p:bgPr>
+        <a:solidFill>
+          <a:schemeClr val="bg1"/>
+        </a:solidFill>
+        <a:effectLst/>
+      </p:bgPr>
+    </p:bg>
+    <p:spTree>
+      <p:nvGrpSpPr>
+        <p:cNvPr id="1" name=""/>
+        <p:cNvGrpSpPr/>
+        <p:nvPr/>
+      </p:nvGrpSpPr>
+      <p:grpSpPr>
+        <a:xfrm>
+          <a:off x="0" y="0"/>
+          <a:ext cx="0" cy="0"/>
+          <a:chOff x="0" y="0"/>
+          <a:chExt cx="0" cy="0"/>
+        </a:xfrm>
+      </p:grpSpPr>
+      <p:sp>
+        <p:nvSpPr>
+          <p:cNvPr id="8" name="Rectangle 7">
+            <a:extLst>
+              <a:ext uri="{FF2B5EF4-FFF2-40B4-BE49-F238E27FC236}">
+                <a16:creationId xmlns:a16="http://schemas.microsoft.com/office/drawing/2014/main" id="{A9F529C3-C941-49FD-8C67-82F134F64BDB}"/>
+              </a:ext>
+              <a:ext uri="{C183D7F6-B498-43B3-948B-1728B52AA6E4}">
+                <adec:decorative xmlns:adec="http://schemas.microsoft.com/office/drawing/2017/decorative" val="1"/>
+              </a:ext>
+            </a:extLst>
+          </p:cNvPr>
+          <p:cNvSpPr>
+            <a:spLocks noGrp="1" noRot="1" noChangeAspect="1" noMove="1" noResize="1" noEditPoints="1" noAdjustHandles="1" noChangeArrowheads="1" noChangeShapeType="1" noTextEdit="1"/>
+          </p:cNvSpPr>
+          <p:nvPr>
+            <p:extLst>
+              <p:ext uri="{386F3935-93C4-4BCD-93E2-E3B085C9AB24}">
+                <p16:designElem xmlns:p16="http://schemas.microsoft.com/office/powerpoint/2015/main" val="1"/>
+              </p:ext>
+            </p:extLst>
+          </p:nvPr>
+        </p:nvSpPr>
+        <p:spPr>
+          <a:xfrm>
+            <a:off x="0" y="0"/>
+            <a:ext cx="12192000" cy="6858000"/>
+          </a:xfrm>
+          <a:prstGeom prst="rect">
+            <a:avLst/>
+          </a:prstGeom>
+          <a:solidFill>
+            <a:schemeClr val="tx1">
+              <a:lumMod val="50000"/>
+              <a:lumOff val="50000"/>
+              <a:alpha val="30000"/>
+            </a:schemeClr>
+          </a:solidFill>
+          <a:ln>
+            <a:noFill/>
+          </a:ln>
+        </p:spPr>
+        <p:style>
+          <a:lnRef idx="2">
+            <a:schemeClr val="accent1">
+              <a:shade val="50000"/>
+            </a:schemeClr>
+          </a:lnRef>
+          <a:fillRef idx="1">
+            <a:schemeClr val="accent1"/>
+          </a:fillRef>
+          <a:effectRef idx="0">
+            <a:schemeClr val="accent1"/>
+          </a:effectRef>
+          <a:fontRef idx="minor">
+            <a:schemeClr val="lt1"/>
+          </a:fontRef>
+        </p:style>
+        <p:txBody>
+          <a:bodyPr rtlCol="0" anchor="ctr"/>
+          <a:lstStyle/>
+          <a:p>
+            <a:pPr algn="ctr"/>
+            <a:endParaRPr lang="en-US"/>
+          </a:p>
+        </p:txBody>
+      </p:sp>
+      <p:sp>
+        <p:nvSpPr>
+          <p:cNvPr id="10" name="Rectangle 9">
+            <a:extLst>
+              <a:ext uri="{FF2B5EF4-FFF2-40B4-BE49-F238E27FC236}">
+                <a16:creationId xmlns:a16="http://schemas.microsoft.com/office/drawing/2014/main" id="{20586029-32A0-47E5-9AEC-AE3ABA6B94D0}"/>
+              </a:ext>
+              <a:ext uri="{C183D7F6-B498-43B3-948B-1728B52AA6E4}">
+                <adec:decorative xmlns:adec="http://schemas.microsoft.com/office/drawing/2017/decorative" val="1"/>
+              </a:ext>
+            </a:extLst>
+          </p:cNvPr>
+          <p:cNvSpPr>
+            <a:spLocks noGrp="1" noRot="1" noChangeAspect="1" noMove="1" noResize="1" noEditPoints="1" noAdjustHandles="1" noChangeArrowheads="1" noChangeShapeType="1" noTextEdit="1"/>
+          </p:cNvSpPr>
+          <p:nvPr>
+            <p:extLst>
+              <p:ext uri="{386F3935-93C4-4BCD-93E2-E3B085C9AB24}">
+                <p16:designElem xmlns:p16="http://schemas.microsoft.com/office/powerpoint/2015/main" val="1"/>
+              </p:ext>
+            </p:extLst>
+          </p:nvPr>
+        </p:nvSpPr>
+        <p:spPr>
+          <a:xfrm>
+            <a:off x="477012" y="480060"/>
+            <a:ext cx="11237976" cy="5897880"/>
+          </a:xfrm>
+          <a:prstGeom prst="rect">
+            <a:avLst/>
+          </a:prstGeom>
+          <a:solidFill>
+            <a:srgbClr val="FFFFFF"/>
+          </a:solidFill>
+          <a:ln w="9525">
+            <a:noFill/>
+          </a:ln>
+          <a:effectLst>
+            <a:outerShdw blurRad="63500" dist="17780" dir="5400000" algn="t" rotWithShape="0">
+              <a:prstClr val="black">
+                <a:alpha val="43000"/>
+              </a:prstClr>
+            </a:outerShdw>
+          </a:effectLst>
+        </p:spPr>
+        <p:style>
+          <a:lnRef idx="2">
+            <a:schemeClr val="accent1">
+              <a:shade val="50000"/>
+            </a:schemeClr>
+          </a:lnRef>
+          <a:fillRef idx="1">
+            <a:schemeClr val="accent1"/>
+          </a:fillRef>
+          <a:effectRef idx="0">
+            <a:schemeClr val="accent1"/>
+          </a:effectRef>
+          <a:fontRef idx="minor">
+            <a:schemeClr val="lt1"/>
+          </a:fontRef>
+        </p:style>
+        <p:txBody>
+          <a:bodyPr rtlCol="0" anchor="ctr"/>
+          <a:lstStyle/>
+          <a:p>
+            <a:pPr algn="ctr"/>
+            <a:endParaRPr lang="en-US"/>
+          </a:p>
+        </p:txBody>
+      </p:sp>
+      <p:pic>
+        <p:nvPicPr>
+          <p:cNvPr id="2" name="Picture 1">
+            <a:extLst>
+              <a:ext uri="{FF2B5EF4-FFF2-40B4-BE49-F238E27FC236}">
+                <a16:creationId xmlns:a16="http://schemas.microsoft.com/office/drawing/2014/main" id="{5012AF42-4675-2E23-884B-44E25316A640}"/>
+              </a:ext>
+            </a:extLst>
+          </p:cNvPr>
+          <p:cNvPicPr>
+            <a:picLocks noChangeAspect="1"/>
+          </p:cNvPicPr>
+          <p:nvPr/>
+        </p:nvPicPr>
+        <p:blipFill>
+          <a:blip r:embed="rId2"/>
+          <a:stretch>
+            <a:fillRect/>
+          </a:stretch>
+        </p:blipFill>
+        <p:spPr>
+          <a:xfrm>
+            <a:off x="643467" y="2184741"/>
+            <a:ext cx="5294716" cy="2488516"/>
+          </a:xfrm>
+          <a:prstGeom prst="rect">
+            <a:avLst/>
+          </a:prstGeom>
+        </p:spPr>
+      </p:pic>
+      <p:cxnSp>
+        <p:nvCxnSpPr>
+          <p:cNvPr id="12" name="Straight Connector 11">
+            <a:extLst>
+              <a:ext uri="{FF2B5EF4-FFF2-40B4-BE49-F238E27FC236}">
+                <a16:creationId xmlns:a16="http://schemas.microsoft.com/office/drawing/2014/main" id="{8C730EAB-A532-4295-A302-FB4B90DB9F5E}"/>
+              </a:ext>
+              <a:ext uri="{C183D7F6-B498-43B3-948B-1728B52AA6E4}">
+                <adec:decorative xmlns:adec="http://schemas.microsoft.com/office/drawing/2017/decorative" val="1"/>
+              </a:ext>
+            </a:extLst>
+          </p:cNvPr>
+          <p:cNvCxnSpPr>
+            <a:cxnSpLocks noGrp="1" noRot="1" noChangeAspect="1" noMove="1" noResize="1" noEditPoints="1" noAdjustHandles="1" noChangeArrowheads="1" noChangeShapeType="1"/>
+          </p:cNvCxnSpPr>
+          <p:nvPr>
+            <p:extLst>
+              <p:ext uri="{386F3935-93C4-4BCD-93E2-E3B085C9AB24}">
+                <p16:designElem xmlns:p16="http://schemas.microsoft.com/office/powerpoint/2015/main" val="1"/>
+              </p:ext>
+            </p:extLst>
+          </p:nvPr>
+        </p:nvCxnSpPr>
+        <p:spPr>
+          <a:xfrm>
+            <a:off x="6079958" y="1143000"/>
+            <a:ext cx="0" cy="4572000"/>
+          </a:xfrm>
+          <a:prstGeom prst="line">
+            <a:avLst/>
+          </a:prstGeom>
+          <a:ln>
+            <a:solidFill>
+              <a:srgbClr val="4E4E4E"/>
+            </a:solidFill>
+          </a:ln>
+        </p:spPr>
+        <p:style>
+          <a:lnRef idx="1">
+            <a:schemeClr val="accent1"/>
+          </a:lnRef>
+          <a:fillRef idx="0">
+            <a:schemeClr val="accent1"/>
+          </a:fillRef>
+          <a:effectRef idx="0">
+            <a:schemeClr val="accent1"/>
+          </a:effectRef>
+          <a:fontRef idx="minor">
+            <a:schemeClr val="tx1"/>
+          </a:fontRef>
+        </p:style>
+      </p:cxnSp>
+      <p:pic>
+        <p:nvPicPr>
+          <p:cNvPr id="3" name="Picture 2">
+            <a:extLst>
+              <a:ext uri="{FF2B5EF4-FFF2-40B4-BE49-F238E27FC236}">
+                <a16:creationId xmlns:a16="http://schemas.microsoft.com/office/drawing/2014/main" id="{4FC4EACF-D37C-202C-EF4F-E2A6ADFD8CB6}"/>
+              </a:ext>
+            </a:extLst>
+          </p:cNvPr>
+          <p:cNvPicPr>
+            <a:picLocks noChangeAspect="1"/>
+          </p:cNvPicPr>
+          <p:nvPr/>
+        </p:nvPicPr>
+        <p:blipFill>
+          <a:blip r:embed="rId3"/>
+          <a:stretch>
+            <a:fillRect/>
+          </a:stretch>
+        </p:blipFill>
+        <p:spPr>
+          <a:xfrm>
+            <a:off x="6253817" y="2178124"/>
+            <a:ext cx="5294715" cy="2501752"/>
+          </a:xfrm>
+          <a:prstGeom prst="rect">
+            <a:avLst/>
+          </a:prstGeom>
+        </p:spPr>
+      </p:pic>
+    </p:spTree>
+    <p:extLst>
+      <p:ext uri="{BB962C8B-B14F-4D97-AF65-F5344CB8AC3E}">
+        <p14:creationId xmlns:p14="http://schemas.microsoft.com/office/powerpoint/2010/main" val="1789732003"/>
+      </p:ext>
+    </p:extLst>
+  </p:cSld>
+  <p:clrMapOvr>
+    <a:masterClrMapping/>
+  </p:clrMapOvr>
+</p:sld>
+</file>
+
+<file path=ppt/slides/slide17.xml><?xml version="1.0" encoding="utf-8"?>
+<p:sld xmlns:a="http://schemas.openxmlformats.org/drawingml/2006/main" xmlns:r="http://schemas.openxmlformats.org/officeDocument/2006/relationships" xmlns:p="http://schemas.openxmlformats.org/presentationml/2006/main">
+  <p:cSld>
+    <p:bg>
+      <p:bgPr>
+        <a:solidFill>
+          <a:schemeClr val="bg1"/>
+        </a:solidFill>
+        <a:effectLst/>
+      </p:bgPr>
+    </p:bg>
+    <p:spTree>
+      <p:nvGrpSpPr>
+        <p:cNvPr id="1" name=""/>
+        <p:cNvGrpSpPr/>
+        <p:nvPr/>
+      </p:nvGrpSpPr>
+      <p:grpSpPr>
+        <a:xfrm>
+          <a:off x="0" y="0"/>
+          <a:ext cx="0" cy="0"/>
+          <a:chOff x="0" y="0"/>
+          <a:chExt cx="0" cy="0"/>
+        </a:xfrm>
+      </p:grpSpPr>
+      <p:pic>
+        <p:nvPicPr>
+          <p:cNvPr id="7" name="Picture 6">
+            <a:extLst>
+              <a:ext uri="{FF2B5EF4-FFF2-40B4-BE49-F238E27FC236}">
+                <a16:creationId xmlns:a16="http://schemas.microsoft.com/office/drawing/2014/main" id="{82EB92A6-D5FC-3495-423B-8878FF67AEBB}"/>
+              </a:ext>
+            </a:extLst>
+          </p:cNvPr>
+          <p:cNvPicPr>
+            <a:picLocks noChangeAspect="1"/>
+          </p:cNvPicPr>
+          <p:nvPr/>
+        </p:nvPicPr>
+        <p:blipFill>
+          <a:blip r:embed="rId2"/>
+          <a:stretch>
+            <a:fillRect/>
+          </a:stretch>
+        </p:blipFill>
+        <p:spPr>
+          <a:xfrm>
+            <a:off x="1129115" y="846142"/>
+            <a:ext cx="4724569" cy="2137867"/>
+          </a:xfrm>
+          <a:prstGeom prst="rect">
+            <a:avLst/>
+          </a:prstGeom>
+        </p:spPr>
+      </p:pic>
+      <p:cxnSp>
+        <p:nvCxnSpPr>
+          <p:cNvPr id="14" name="Straight Connector 13">
+            <a:extLst>
+              <a:ext uri="{FF2B5EF4-FFF2-40B4-BE49-F238E27FC236}">
+                <a16:creationId xmlns:a16="http://schemas.microsoft.com/office/drawing/2014/main" id="{91B6081D-D3E8-4209-B85B-EB1C655A6272}"/>
+              </a:ext>
+              <a:ext uri="{C183D7F6-B498-43B3-948B-1728B52AA6E4}">
+                <adec:decorative xmlns:adec="http://schemas.microsoft.com/office/drawing/2017/decorative" val="1"/>
+              </a:ext>
+            </a:extLst>
+          </p:cNvPr>
+          <p:cNvCxnSpPr>
+            <a:cxnSpLocks noGrp="1" noRot="1" noChangeAspect="1" noMove="1" noResize="1" noEditPoints="1" noAdjustHandles="1" noChangeArrowheads="1" noChangeShapeType="1"/>
+          </p:cNvCxnSpPr>
+          <p:nvPr>
+            <p:extLst>
+              <p:ext uri="{386F3935-93C4-4BCD-93E2-E3B085C9AB24}">
+                <p16:designElem xmlns:p16="http://schemas.microsoft.com/office/powerpoint/2015/main" val="1"/>
+              </p:ext>
+            </p:extLst>
+          </p:nvPr>
+        </p:nvCxnSpPr>
+        <p:spPr>
+          <a:xfrm>
+            <a:off x="6091214" y="1111170"/>
+            <a:ext cx="11040" cy="4645103"/>
+          </a:xfrm>
+          <a:prstGeom prst="line">
+            <a:avLst/>
+          </a:prstGeom>
+          <a:ln w="19050">
+            <a:solidFill>
+              <a:srgbClr val="7F7F7F"/>
+            </a:solidFill>
+          </a:ln>
+        </p:spPr>
+        <p:style>
+          <a:lnRef idx="1">
+            <a:schemeClr val="accent1"/>
+          </a:lnRef>
+          <a:fillRef idx="0">
+            <a:schemeClr val="accent1"/>
+          </a:fillRef>
+          <a:effectRef idx="0">
+            <a:schemeClr val="accent1"/>
+          </a:effectRef>
+          <a:fontRef idx="minor">
+            <a:schemeClr val="tx1"/>
+          </a:fontRef>
+        </p:style>
+      </p:cxnSp>
+      <p:pic>
+        <p:nvPicPr>
+          <p:cNvPr id="3" name="Picture 2">
+            <a:extLst>
+              <a:ext uri="{FF2B5EF4-FFF2-40B4-BE49-F238E27FC236}">
+                <a16:creationId xmlns:a16="http://schemas.microsoft.com/office/drawing/2014/main" id="{F01A0DC1-0019-23E5-7BA6-0065B415197E}"/>
+              </a:ext>
+            </a:extLst>
+          </p:cNvPr>
+          <p:cNvPicPr>
+            <a:picLocks noChangeAspect="1"/>
+          </p:cNvPicPr>
+          <p:nvPr/>
+        </p:nvPicPr>
+        <p:blipFill>
+          <a:blip r:embed="rId3"/>
+          <a:stretch>
+            <a:fillRect/>
+          </a:stretch>
+        </p:blipFill>
+        <p:spPr>
+          <a:xfrm>
+            <a:off x="6338316" y="844248"/>
+            <a:ext cx="4732940" cy="2141655"/>
+          </a:xfrm>
+          <a:prstGeom prst="rect">
+            <a:avLst/>
+          </a:prstGeom>
+        </p:spPr>
+      </p:pic>
+      <p:cxnSp>
+        <p:nvCxnSpPr>
+          <p:cNvPr id="16" name="Straight Connector 15">
+            <a:extLst>
+              <a:ext uri="{FF2B5EF4-FFF2-40B4-BE49-F238E27FC236}">
+                <a16:creationId xmlns:a16="http://schemas.microsoft.com/office/drawing/2014/main" id="{28CA55E4-1295-45C8-BA05-5A9E705B749A}"/>
+              </a:ext>
+              <a:ext uri="{C183D7F6-B498-43B3-948B-1728B52AA6E4}">
+                <adec:decorative xmlns:adec="http://schemas.microsoft.com/office/drawing/2017/decorative" val="1"/>
+              </a:ext>
+            </a:extLst>
+          </p:cNvPr>
+          <p:cNvCxnSpPr>
+            <a:cxnSpLocks noGrp="1" noRot="1" noChangeAspect="1" noMove="1" noResize="1" noEditPoints="1" noAdjustHandles="1" noChangeArrowheads="1" noChangeShapeType="1"/>
+          </p:cNvCxnSpPr>
+          <p:nvPr>
+            <p:extLst>
+              <p:ext uri="{386F3935-93C4-4BCD-93E2-E3B085C9AB24}">
+                <p16:designElem xmlns:p16="http://schemas.microsoft.com/office/powerpoint/2015/main" val="1"/>
+              </p:ext>
+            </p:extLst>
+          </p:nvPr>
+        </p:nvCxnSpPr>
+        <p:spPr>
+          <a:xfrm>
+            <a:off x="1403027" y="3428998"/>
+            <a:ext cx="4188904" cy="1"/>
+          </a:xfrm>
+          <a:prstGeom prst="line">
+            <a:avLst/>
+          </a:prstGeom>
+          <a:ln w="19050">
+            <a:solidFill>
+              <a:srgbClr val="7F7F7F"/>
+            </a:solidFill>
+          </a:ln>
+        </p:spPr>
+        <p:style>
+          <a:lnRef idx="1">
+            <a:schemeClr val="accent1"/>
+          </a:lnRef>
+          <a:fillRef idx="0">
+            <a:schemeClr val="accent1"/>
+          </a:fillRef>
+          <a:effectRef idx="0">
+            <a:schemeClr val="accent1"/>
+          </a:effectRef>
+          <a:fontRef idx="minor">
+            <a:schemeClr val="tx1"/>
+          </a:fontRef>
+        </p:style>
+      </p:cxnSp>
+      <p:cxnSp>
+        <p:nvCxnSpPr>
+          <p:cNvPr id="18" name="Straight Connector 17">
+            <a:extLst>
+              <a:ext uri="{FF2B5EF4-FFF2-40B4-BE49-F238E27FC236}">
+                <a16:creationId xmlns:a16="http://schemas.microsoft.com/office/drawing/2014/main" id="{08C5794E-A9A1-4A23-AF68-C79A7822334C}"/>
+              </a:ext>
+              <a:ext uri="{C183D7F6-B498-43B3-948B-1728B52AA6E4}">
+                <adec:decorative xmlns:adec="http://schemas.microsoft.com/office/drawing/2017/decorative" val="1"/>
+              </a:ext>
+            </a:extLst>
+          </p:cNvPr>
+          <p:cNvCxnSpPr>
+            <a:cxnSpLocks noGrp="1" noRot="1" noChangeAspect="1" noMove="1" noResize="1" noEditPoints="1" noAdjustHandles="1" noChangeArrowheads="1" noChangeShapeType="1"/>
+          </p:cNvCxnSpPr>
+          <p:nvPr>
+            <p:extLst>
+              <p:ext uri="{386F3935-93C4-4BCD-93E2-E3B085C9AB24}">
+                <p16:designElem xmlns:p16="http://schemas.microsoft.com/office/powerpoint/2015/main" val="1"/>
+              </p:ext>
+            </p:extLst>
+          </p:nvPr>
+        </p:nvCxnSpPr>
+        <p:spPr>
+          <a:xfrm>
+            <a:off x="6610334" y="3428998"/>
+            <a:ext cx="4188904" cy="1"/>
+          </a:xfrm>
+          <a:prstGeom prst="line">
+            <a:avLst/>
+          </a:prstGeom>
+          <a:ln w="19050">
+            <a:solidFill>
+              <a:srgbClr val="7F7F7F"/>
+            </a:solidFill>
+          </a:ln>
+        </p:spPr>
+        <p:style>
+          <a:lnRef idx="1">
+            <a:schemeClr val="accent1"/>
+          </a:lnRef>
+          <a:fillRef idx="0">
+            <a:schemeClr val="accent1"/>
+          </a:fillRef>
+          <a:effectRef idx="0">
+            <a:schemeClr val="accent1"/>
+          </a:effectRef>
+          <a:fontRef idx="minor">
+            <a:schemeClr val="tx1"/>
+          </a:fontRef>
+        </p:style>
+      </p:cxnSp>
+      <p:pic>
+        <p:nvPicPr>
+          <p:cNvPr id="9" name="Picture 8">
+            <a:extLst>
+              <a:ext uri="{FF2B5EF4-FFF2-40B4-BE49-F238E27FC236}">
+                <a16:creationId xmlns:a16="http://schemas.microsoft.com/office/drawing/2014/main" id="{751E9628-F5CE-5927-9F48-FAEA5ECF0A61}"/>
+              </a:ext>
+            </a:extLst>
+          </p:cNvPr>
+          <p:cNvPicPr>
+            <a:picLocks noChangeAspect="1"/>
+          </p:cNvPicPr>
+          <p:nvPr/>
+        </p:nvPicPr>
+        <p:blipFill>
+          <a:blip r:embed="rId4"/>
+          <a:stretch>
+            <a:fillRect/>
+          </a:stretch>
+        </p:blipFill>
+        <p:spPr>
+          <a:xfrm>
+            <a:off x="1129115" y="3845785"/>
+            <a:ext cx="4724569" cy="2196924"/>
+          </a:xfrm>
+          <a:prstGeom prst="rect">
+            <a:avLst/>
+          </a:prstGeom>
+        </p:spPr>
+      </p:pic>
+      <p:pic>
+        <p:nvPicPr>
+          <p:cNvPr id="5" name="Picture 4">
+            <a:extLst>
+              <a:ext uri="{FF2B5EF4-FFF2-40B4-BE49-F238E27FC236}">
+                <a16:creationId xmlns:a16="http://schemas.microsoft.com/office/drawing/2014/main" id="{5B9ACB3F-67CF-0632-9D59-32C1C05D45CA}"/>
+              </a:ext>
+            </a:extLst>
+          </p:cNvPr>
+          <p:cNvPicPr>
+            <a:picLocks noChangeAspect="1"/>
+          </p:cNvPicPr>
+          <p:nvPr/>
+        </p:nvPicPr>
+        <p:blipFill>
+          <a:blip r:embed="rId5"/>
+          <a:stretch>
+            <a:fillRect/>
+          </a:stretch>
+        </p:blipFill>
+        <p:spPr>
+          <a:xfrm>
+            <a:off x="6338316" y="3841726"/>
+            <a:ext cx="4732940" cy="2212649"/>
+          </a:xfrm>
+          <a:prstGeom prst="rect">
+            <a:avLst/>
+          </a:prstGeom>
+        </p:spPr>
+      </p:pic>
+    </p:spTree>
+    <p:extLst>
+      <p:ext uri="{BB962C8B-B14F-4D97-AF65-F5344CB8AC3E}">
+        <p14:creationId xmlns:p14="http://schemas.microsoft.com/office/powerpoint/2010/main" val="2372850565"/>
+      </p:ext>
+    </p:extLst>
+  </p:cSld>
+  <p:clrMapOvr>
+    <a:masterClrMapping/>
+  </p:clrMapOvr>
+</p:sld>
+</file>
+
+<file path=ppt/slides/slide18.xml><?xml version="1.0" encoding="utf-8"?>
+<p:sld xmlns:a="http://schemas.openxmlformats.org/drawingml/2006/main" xmlns:r="http://schemas.openxmlformats.org/officeDocument/2006/relationships" xmlns:p="http://schemas.openxmlformats.org/presentationml/2006/main">
+  <p:cSld>
+    <p:bg>
+      <p:bgPr>
+        <a:solidFill>
+          <a:schemeClr val="bg1"/>
+        </a:solidFill>
+        <a:effectLst/>
+      </p:bgPr>
+    </p:bg>
+    <p:spTree>
+      <p:nvGrpSpPr>
+        <p:cNvPr id="1" name=""/>
+        <p:cNvGrpSpPr/>
+        <p:nvPr/>
+      </p:nvGrpSpPr>
+      <p:grpSpPr>
+        <a:xfrm>
+          <a:off x="0" y="0"/>
+          <a:ext cx="0" cy="0"/>
+          <a:chOff x="0" y="0"/>
+          <a:chExt cx="0" cy="0"/>
+        </a:xfrm>
+      </p:grpSpPr>
+      <p:pic>
+        <p:nvPicPr>
+          <p:cNvPr id="7" name="Picture 6">
+            <a:extLst>
+              <a:ext uri="{FF2B5EF4-FFF2-40B4-BE49-F238E27FC236}">
+                <a16:creationId xmlns:a16="http://schemas.microsoft.com/office/drawing/2014/main" id="{CD951AB7-7F7D-CE4A-C3D1-051CAFC5B5A3}"/>
+              </a:ext>
+            </a:extLst>
+          </p:cNvPr>
+          <p:cNvPicPr>
+            <a:picLocks noChangeAspect="1"/>
+          </p:cNvPicPr>
+          <p:nvPr/>
+        </p:nvPicPr>
+        <p:blipFill>
+          <a:blip r:embed="rId2"/>
+          <a:stretch>
+            <a:fillRect/>
+          </a:stretch>
+        </p:blipFill>
+        <p:spPr>
+          <a:xfrm>
+            <a:off x="1129115" y="763462"/>
+            <a:ext cx="4724569" cy="2303226"/>
+          </a:xfrm>
+          <a:prstGeom prst="rect">
+            <a:avLst/>
+          </a:prstGeom>
+        </p:spPr>
+      </p:pic>
+      <p:cxnSp>
+        <p:nvCxnSpPr>
+          <p:cNvPr id="14" name="Straight Connector 13">
+            <a:extLst>
+              <a:ext uri="{FF2B5EF4-FFF2-40B4-BE49-F238E27FC236}">
+                <a16:creationId xmlns:a16="http://schemas.microsoft.com/office/drawing/2014/main" id="{91B6081D-D3E8-4209-B85B-EB1C655A6272}"/>
+              </a:ext>
+              <a:ext uri="{C183D7F6-B498-43B3-948B-1728B52AA6E4}">
+                <adec:decorative xmlns:adec="http://schemas.microsoft.com/office/drawing/2017/decorative" val="1"/>
+              </a:ext>
+            </a:extLst>
+          </p:cNvPr>
+          <p:cNvCxnSpPr>
+            <a:cxnSpLocks noGrp="1" noRot="1" noChangeAspect="1" noMove="1" noResize="1" noEditPoints="1" noAdjustHandles="1" noChangeArrowheads="1" noChangeShapeType="1"/>
+          </p:cNvCxnSpPr>
+          <p:nvPr>
+            <p:extLst>
+              <p:ext uri="{386F3935-93C4-4BCD-93E2-E3B085C9AB24}">
+                <p16:designElem xmlns:p16="http://schemas.microsoft.com/office/powerpoint/2015/main" val="1"/>
+              </p:ext>
+            </p:extLst>
+          </p:nvPr>
+        </p:nvCxnSpPr>
+        <p:spPr>
+          <a:xfrm>
+            <a:off x="6091214" y="1111170"/>
+            <a:ext cx="11040" cy="4645103"/>
+          </a:xfrm>
+          <a:prstGeom prst="line">
+            <a:avLst/>
+          </a:prstGeom>
+          <a:ln w="19050">
+            <a:solidFill>
+              <a:srgbClr val="7F7F7F"/>
+            </a:solidFill>
+          </a:ln>
+        </p:spPr>
+        <p:style>
+          <a:lnRef idx="1">
+            <a:schemeClr val="accent1"/>
+          </a:lnRef>
+          <a:fillRef idx="0">
+            <a:schemeClr val="accent1"/>
+          </a:fillRef>
+          <a:effectRef idx="0">
+            <a:schemeClr val="accent1"/>
+          </a:effectRef>
+          <a:fontRef idx="minor">
+            <a:schemeClr val="tx1"/>
+          </a:fontRef>
+        </p:style>
+      </p:cxnSp>
+      <p:pic>
+        <p:nvPicPr>
+          <p:cNvPr id="9" name="Picture 8">
+            <a:extLst>
+              <a:ext uri="{FF2B5EF4-FFF2-40B4-BE49-F238E27FC236}">
+                <a16:creationId xmlns:a16="http://schemas.microsoft.com/office/drawing/2014/main" id="{30DBF614-D317-E5C0-4ED7-FDC52321CFB5}"/>
+              </a:ext>
+            </a:extLst>
+          </p:cNvPr>
+          <p:cNvPicPr>
+            <a:picLocks noChangeAspect="1"/>
+          </p:cNvPicPr>
+          <p:nvPr/>
+        </p:nvPicPr>
+        <p:blipFill>
+          <a:blip r:embed="rId3"/>
+          <a:stretch>
+            <a:fillRect/>
+          </a:stretch>
+        </p:blipFill>
+        <p:spPr>
+          <a:xfrm>
+            <a:off x="6338316" y="773254"/>
+            <a:ext cx="4732940" cy="2283643"/>
+          </a:xfrm>
+          <a:prstGeom prst="rect">
+            <a:avLst/>
+          </a:prstGeom>
+        </p:spPr>
+      </p:pic>
+      <p:cxnSp>
+        <p:nvCxnSpPr>
+          <p:cNvPr id="16" name="Straight Connector 15">
+            <a:extLst>
+              <a:ext uri="{FF2B5EF4-FFF2-40B4-BE49-F238E27FC236}">
+                <a16:creationId xmlns:a16="http://schemas.microsoft.com/office/drawing/2014/main" id="{28CA55E4-1295-45C8-BA05-5A9E705B749A}"/>
+              </a:ext>
+              <a:ext uri="{C183D7F6-B498-43B3-948B-1728B52AA6E4}">
+                <adec:decorative xmlns:adec="http://schemas.microsoft.com/office/drawing/2017/decorative" val="1"/>
+              </a:ext>
+            </a:extLst>
+          </p:cNvPr>
+          <p:cNvCxnSpPr>
+            <a:cxnSpLocks noGrp="1" noRot="1" noChangeAspect="1" noMove="1" noResize="1" noEditPoints="1" noAdjustHandles="1" noChangeArrowheads="1" noChangeShapeType="1"/>
+          </p:cNvCxnSpPr>
+          <p:nvPr>
+            <p:extLst>
+              <p:ext uri="{386F3935-93C4-4BCD-93E2-E3B085C9AB24}">
+                <p16:designElem xmlns:p16="http://schemas.microsoft.com/office/powerpoint/2015/main" val="1"/>
+              </p:ext>
+            </p:extLst>
+          </p:nvPr>
+        </p:nvCxnSpPr>
+        <p:spPr>
+          <a:xfrm>
+            <a:off x="1403027" y="3428998"/>
+            <a:ext cx="4188904" cy="1"/>
+          </a:xfrm>
+          <a:prstGeom prst="line">
+            <a:avLst/>
+          </a:prstGeom>
+          <a:ln w="19050">
+            <a:solidFill>
+              <a:srgbClr val="7F7F7F"/>
+            </a:solidFill>
+          </a:ln>
+        </p:spPr>
+        <p:style>
+          <a:lnRef idx="1">
+            <a:schemeClr val="accent1"/>
+          </a:lnRef>
+          <a:fillRef idx="0">
+            <a:schemeClr val="accent1"/>
+          </a:fillRef>
+          <a:effectRef idx="0">
+            <a:schemeClr val="accent1"/>
+          </a:effectRef>
+          <a:fontRef idx="minor">
+            <a:schemeClr val="tx1"/>
+          </a:fontRef>
+        </p:style>
+      </p:cxnSp>
+      <p:cxnSp>
+        <p:nvCxnSpPr>
+          <p:cNvPr id="18" name="Straight Connector 17">
+            <a:extLst>
+              <a:ext uri="{FF2B5EF4-FFF2-40B4-BE49-F238E27FC236}">
+                <a16:creationId xmlns:a16="http://schemas.microsoft.com/office/drawing/2014/main" id="{08C5794E-A9A1-4A23-AF68-C79A7822334C}"/>
+              </a:ext>
+              <a:ext uri="{C183D7F6-B498-43B3-948B-1728B52AA6E4}">
+                <adec:decorative xmlns:adec="http://schemas.microsoft.com/office/drawing/2017/decorative" val="1"/>
+              </a:ext>
+            </a:extLst>
+          </p:cNvPr>
+          <p:cNvCxnSpPr>
+            <a:cxnSpLocks noGrp="1" noRot="1" noChangeAspect="1" noMove="1" noResize="1" noEditPoints="1" noAdjustHandles="1" noChangeArrowheads="1" noChangeShapeType="1"/>
+          </p:cNvCxnSpPr>
+          <p:nvPr>
+            <p:extLst>
+              <p:ext uri="{386F3935-93C4-4BCD-93E2-E3B085C9AB24}">
+                <p16:designElem xmlns:p16="http://schemas.microsoft.com/office/powerpoint/2015/main" val="1"/>
+              </p:ext>
+            </p:extLst>
+          </p:nvPr>
+        </p:nvCxnSpPr>
+        <p:spPr>
+          <a:xfrm>
+            <a:off x="6610334" y="3428998"/>
+            <a:ext cx="4188904" cy="1"/>
+          </a:xfrm>
+          <a:prstGeom prst="line">
+            <a:avLst/>
+          </a:prstGeom>
+          <a:ln w="19050">
+            <a:solidFill>
+              <a:srgbClr val="7F7F7F"/>
+            </a:solidFill>
+          </a:ln>
+        </p:spPr>
+        <p:style>
+          <a:lnRef idx="1">
+            <a:schemeClr val="accent1"/>
+          </a:lnRef>
+          <a:fillRef idx="0">
+            <a:schemeClr val="accent1"/>
+          </a:fillRef>
+          <a:effectRef idx="0">
+            <a:schemeClr val="accent1"/>
+          </a:effectRef>
+          <a:fontRef idx="minor">
+            <a:schemeClr val="tx1"/>
+          </a:fontRef>
+        </p:style>
+      </p:cxnSp>
+      <p:pic>
+        <p:nvPicPr>
+          <p:cNvPr id="3" name="Picture 2">
+            <a:extLst>
+              <a:ext uri="{FF2B5EF4-FFF2-40B4-BE49-F238E27FC236}">
+                <a16:creationId xmlns:a16="http://schemas.microsoft.com/office/drawing/2014/main" id="{E9E9CD78-59EE-862D-3A12-FB9AA0FF0F1A}"/>
+              </a:ext>
+            </a:extLst>
+          </p:cNvPr>
+          <p:cNvPicPr>
+            <a:picLocks noChangeAspect="1"/>
+          </p:cNvPicPr>
+          <p:nvPr/>
+        </p:nvPicPr>
+        <p:blipFill>
+          <a:blip r:embed="rId4"/>
+          <a:stretch>
+            <a:fillRect/>
+          </a:stretch>
+        </p:blipFill>
+        <p:spPr>
+          <a:xfrm>
+            <a:off x="1129115" y="3786727"/>
+            <a:ext cx="4724569" cy="2315039"/>
+          </a:xfrm>
+          <a:prstGeom prst="rect">
+            <a:avLst/>
+          </a:prstGeom>
+        </p:spPr>
+      </p:pic>
+      <p:pic>
+        <p:nvPicPr>
+          <p:cNvPr id="5" name="Picture 4">
+            <a:extLst>
+              <a:ext uri="{FF2B5EF4-FFF2-40B4-BE49-F238E27FC236}">
+                <a16:creationId xmlns:a16="http://schemas.microsoft.com/office/drawing/2014/main" id="{D892CCE3-CA79-C843-1C25-2A1BA6C8412A}"/>
+              </a:ext>
+            </a:extLst>
+          </p:cNvPr>
+          <p:cNvPicPr>
+            <a:picLocks noChangeAspect="1"/>
+          </p:cNvPicPr>
+          <p:nvPr/>
+        </p:nvPicPr>
+        <p:blipFill>
+          <a:blip r:embed="rId5"/>
+          <a:stretch>
+            <a:fillRect/>
+          </a:stretch>
+        </p:blipFill>
+        <p:spPr>
+          <a:xfrm>
+            <a:off x="6338316" y="3770731"/>
+            <a:ext cx="4732940" cy="2354638"/>
+          </a:xfrm>
+          <a:prstGeom prst="rect">
+            <a:avLst/>
+          </a:prstGeom>
+        </p:spPr>
+      </p:pic>
+    </p:spTree>
+    <p:extLst>
+      <p:ext uri="{BB962C8B-B14F-4D97-AF65-F5344CB8AC3E}">
+        <p14:creationId xmlns:p14="http://schemas.microsoft.com/office/powerpoint/2010/main" val="3424148524"/>
       </p:ext>
     </p:extLst>
   </p:cSld>

--- a/ref/pic.pptx
+++ b/ref/pic.pptx
@@ -23,6 +23,9 @@
     <p:sldId id="271" r:id="rId17"/>
     <p:sldId id="272" r:id="rId18"/>
     <p:sldId id="273" r:id="rId19"/>
+    <p:sldId id="274" r:id="rId20"/>
+    <p:sldId id="275" r:id="rId21"/>
+    <p:sldId id="276" r:id="rId22"/>
   </p:sldIdLst>
   <p:sldSz cx="12192000" cy="6858000"/>
   <p:notesSz cx="6858000" cy="9144000"/>
@@ -276,7 +279,7 @@
           <a:p>
             <a:fld id="{E700C44F-DF2E-4F24-99FB-BFA872EF895F}" type="datetimeFigureOut">
               <a:rPr lang="en-US" smtClean="0"/>
-              <a:t>11/4/2022</a:t>
+              <a:t>11/5/2022</a:t>
             </a:fld>
             <a:endParaRPr lang="en-US"/>
           </a:p>
@@ -474,7 +477,7 @@
           <a:p>
             <a:fld id="{E700C44F-DF2E-4F24-99FB-BFA872EF895F}" type="datetimeFigureOut">
               <a:rPr lang="en-US" smtClean="0"/>
-              <a:t>11/4/2022</a:t>
+              <a:t>11/5/2022</a:t>
             </a:fld>
             <a:endParaRPr lang="en-US"/>
           </a:p>
@@ -682,7 +685,7 @@
           <a:p>
             <a:fld id="{E700C44F-DF2E-4F24-99FB-BFA872EF895F}" type="datetimeFigureOut">
               <a:rPr lang="en-US" smtClean="0"/>
-              <a:t>11/4/2022</a:t>
+              <a:t>11/5/2022</a:t>
             </a:fld>
             <a:endParaRPr lang="en-US"/>
           </a:p>
@@ -880,7 +883,7 @@
           <a:p>
             <a:fld id="{E700C44F-DF2E-4F24-99FB-BFA872EF895F}" type="datetimeFigureOut">
               <a:rPr lang="en-US" smtClean="0"/>
-              <a:t>11/4/2022</a:t>
+              <a:t>11/5/2022</a:t>
             </a:fld>
             <a:endParaRPr lang="en-US"/>
           </a:p>
@@ -1155,7 +1158,7 @@
           <a:p>
             <a:fld id="{E700C44F-DF2E-4F24-99FB-BFA872EF895F}" type="datetimeFigureOut">
               <a:rPr lang="en-US" smtClean="0"/>
-              <a:t>11/4/2022</a:t>
+              <a:t>11/5/2022</a:t>
             </a:fld>
             <a:endParaRPr lang="en-US"/>
           </a:p>
@@ -1420,7 +1423,7 @@
           <a:p>
             <a:fld id="{E700C44F-DF2E-4F24-99FB-BFA872EF895F}" type="datetimeFigureOut">
               <a:rPr lang="en-US" smtClean="0"/>
-              <a:t>11/4/2022</a:t>
+              <a:t>11/5/2022</a:t>
             </a:fld>
             <a:endParaRPr lang="en-US"/>
           </a:p>
@@ -1832,7 +1835,7 @@
           <a:p>
             <a:fld id="{E700C44F-DF2E-4F24-99FB-BFA872EF895F}" type="datetimeFigureOut">
               <a:rPr lang="en-US" smtClean="0"/>
-              <a:t>11/4/2022</a:t>
+              <a:t>11/5/2022</a:t>
             </a:fld>
             <a:endParaRPr lang="en-US"/>
           </a:p>
@@ -1973,7 +1976,7 @@
           <a:p>
             <a:fld id="{E700C44F-DF2E-4F24-99FB-BFA872EF895F}" type="datetimeFigureOut">
               <a:rPr lang="en-US" smtClean="0"/>
-              <a:t>11/4/2022</a:t>
+              <a:t>11/5/2022</a:t>
             </a:fld>
             <a:endParaRPr lang="en-US"/>
           </a:p>
@@ -2086,7 +2089,7 @@
           <a:p>
             <a:fld id="{E700C44F-DF2E-4F24-99FB-BFA872EF895F}" type="datetimeFigureOut">
               <a:rPr lang="en-US" smtClean="0"/>
-              <a:t>11/4/2022</a:t>
+              <a:t>11/5/2022</a:t>
             </a:fld>
             <a:endParaRPr lang="en-US"/>
           </a:p>
@@ -2397,7 +2400,7 @@
           <a:p>
             <a:fld id="{E700C44F-DF2E-4F24-99FB-BFA872EF895F}" type="datetimeFigureOut">
               <a:rPr lang="en-US" smtClean="0"/>
-              <a:t>11/4/2022</a:t>
+              <a:t>11/5/2022</a:t>
             </a:fld>
             <a:endParaRPr lang="en-US"/>
           </a:p>
@@ -2685,7 +2688,7 @@
           <a:p>
             <a:fld id="{E700C44F-DF2E-4F24-99FB-BFA872EF895F}" type="datetimeFigureOut">
               <a:rPr lang="en-US" smtClean="0"/>
-              <a:t>11/4/2022</a:t>
+              <a:t>11/5/2022</a:t>
             </a:fld>
             <a:endParaRPr lang="en-US"/>
           </a:p>
@@ -2926,7 +2929,7 @@
           <a:p>
             <a:fld id="{E700C44F-DF2E-4F24-99FB-BFA872EF895F}" type="datetimeFigureOut">
               <a:rPr lang="en-US" smtClean="0"/>
-              <a:t>11/4/2022</a:t>
+              <a:t>11/5/2022</a:t>
             </a:fld>
             <a:endParaRPr lang="en-US"/>
           </a:p>
@@ -5265,6 +5268,167 @@
 </p:sld>
 </file>
 
+<file path=ppt/slides/slide19.xml><?xml version="1.0" encoding="utf-8"?>
+<p:sld xmlns:a="http://schemas.openxmlformats.org/drawingml/2006/main" xmlns:r="http://schemas.openxmlformats.org/officeDocument/2006/relationships" xmlns:p="http://schemas.openxmlformats.org/presentationml/2006/main">
+  <p:cSld>
+    <p:spTree>
+      <p:nvGrpSpPr>
+        <p:cNvPr id="1" name=""/>
+        <p:cNvGrpSpPr/>
+        <p:nvPr/>
+      </p:nvGrpSpPr>
+      <p:grpSpPr>
+        <a:xfrm>
+          <a:off x="0" y="0"/>
+          <a:ext cx="0" cy="0"/>
+          <a:chOff x="0" y="0"/>
+          <a:chExt cx="0" cy="0"/>
+        </a:xfrm>
+      </p:grpSpPr>
+      <p:pic>
+        <p:nvPicPr>
+          <p:cNvPr id="3" name="Picture 2">
+            <a:extLst>
+              <a:ext uri="{FF2B5EF4-FFF2-40B4-BE49-F238E27FC236}">
+                <a16:creationId xmlns:a16="http://schemas.microsoft.com/office/drawing/2014/main" id="{01AAFE64-F608-6DFA-0567-314F2C50C32F}"/>
+              </a:ext>
+            </a:extLst>
+          </p:cNvPr>
+          <p:cNvPicPr>
+            <a:picLocks noChangeAspect="1"/>
+          </p:cNvPicPr>
+          <p:nvPr/>
+        </p:nvPicPr>
+        <p:blipFill>
+          <a:blip r:embed="rId2"/>
+          <a:stretch>
+            <a:fillRect/>
+          </a:stretch>
+        </p:blipFill>
+        <p:spPr>
+          <a:xfrm>
+            <a:off x="311247" y="1330565"/>
+            <a:ext cx="6625238" cy="1470006"/>
+          </a:xfrm>
+          <a:prstGeom prst="rect">
+            <a:avLst/>
+          </a:prstGeom>
+        </p:spPr>
+      </p:pic>
+      <p:pic>
+        <p:nvPicPr>
+          <p:cNvPr id="5" name="Picture 4">
+            <a:extLst>
+              <a:ext uri="{FF2B5EF4-FFF2-40B4-BE49-F238E27FC236}">
+                <a16:creationId xmlns:a16="http://schemas.microsoft.com/office/drawing/2014/main" id="{39230E68-8720-A313-8946-3ACF466DE46C}"/>
+              </a:ext>
+            </a:extLst>
+          </p:cNvPr>
+          <p:cNvPicPr>
+            <a:picLocks noChangeAspect="1"/>
+          </p:cNvPicPr>
+          <p:nvPr/>
+        </p:nvPicPr>
+        <p:blipFill>
+          <a:blip r:embed="rId3"/>
+          <a:stretch>
+            <a:fillRect/>
+          </a:stretch>
+        </p:blipFill>
+        <p:spPr>
+          <a:xfrm>
+            <a:off x="6990494" y="1330565"/>
+            <a:ext cx="4256179" cy="1470006"/>
+          </a:xfrm>
+          <a:prstGeom prst="rect">
+            <a:avLst/>
+          </a:prstGeom>
+        </p:spPr>
+      </p:pic>
+      <p:cxnSp>
+        <p:nvCxnSpPr>
+          <p:cNvPr id="7" name="Straight Connector 6">
+            <a:extLst>
+              <a:ext uri="{FF2B5EF4-FFF2-40B4-BE49-F238E27FC236}">
+                <a16:creationId xmlns:a16="http://schemas.microsoft.com/office/drawing/2014/main" id="{6A59C2E2-E316-DD1A-E7A5-068136ED5077}"/>
+              </a:ext>
+            </a:extLst>
+          </p:cNvPr>
+          <p:cNvCxnSpPr/>
+          <p:nvPr/>
+        </p:nvCxnSpPr>
+        <p:spPr>
+          <a:xfrm>
+            <a:off x="6936485" y="822036"/>
+            <a:ext cx="0" cy="2327564"/>
+          </a:xfrm>
+          <a:prstGeom prst="line">
+            <a:avLst/>
+          </a:prstGeom>
+          <a:ln w="19050">
+            <a:solidFill>
+              <a:schemeClr val="tx1"/>
+            </a:solidFill>
+          </a:ln>
+        </p:spPr>
+        <p:style>
+          <a:lnRef idx="1">
+            <a:schemeClr val="dk1"/>
+          </a:lnRef>
+          <a:fillRef idx="0">
+            <a:schemeClr val="dk1"/>
+          </a:fillRef>
+          <a:effectRef idx="0">
+            <a:schemeClr val="dk1"/>
+          </a:effectRef>
+          <a:fontRef idx="minor">
+            <a:schemeClr val="tx1"/>
+          </a:fontRef>
+        </p:style>
+      </p:cxnSp>
+      <p:pic>
+        <p:nvPicPr>
+          <p:cNvPr id="9" name="Picture 8">
+            <a:extLst>
+              <a:ext uri="{FF2B5EF4-FFF2-40B4-BE49-F238E27FC236}">
+                <a16:creationId xmlns:a16="http://schemas.microsoft.com/office/drawing/2014/main" id="{C4FEAB71-C584-6E34-BC80-6654CB6F40C8}"/>
+              </a:ext>
+            </a:extLst>
+          </p:cNvPr>
+          <p:cNvPicPr>
+            <a:picLocks noChangeAspect="1"/>
+          </p:cNvPicPr>
+          <p:nvPr/>
+        </p:nvPicPr>
+        <p:blipFill>
+          <a:blip r:embed="rId4"/>
+          <a:stretch>
+            <a:fillRect/>
+          </a:stretch>
+        </p:blipFill>
+        <p:spPr>
+          <a:xfrm>
+            <a:off x="1661494" y="3643103"/>
+            <a:ext cx="4025204" cy="2105558"/>
+          </a:xfrm>
+          <a:prstGeom prst="rect">
+            <a:avLst/>
+          </a:prstGeom>
+        </p:spPr>
+      </p:pic>
+    </p:spTree>
+    <p:extLst>
+      <p:ext uri="{BB962C8B-B14F-4D97-AF65-F5344CB8AC3E}">
+        <p14:creationId xmlns:p14="http://schemas.microsoft.com/office/powerpoint/2010/main" val="633006357"/>
+      </p:ext>
+    </p:extLst>
+  </p:cSld>
+  <p:clrMapOvr>
+    <a:masterClrMapping/>
+  </p:clrMapOvr>
+</p:sld>
+</file>
+
 <file path=ppt/slides/slide2.xml><?xml version="1.0" encoding="utf-8"?>
 <p:sld xmlns:a="http://schemas.openxmlformats.org/drawingml/2006/main" xmlns:r="http://schemas.openxmlformats.org/officeDocument/2006/relationships" xmlns:p="http://schemas.openxmlformats.org/presentationml/2006/main">
   <p:cSld>
@@ -5439,6 +5603,182 @@
     <p:extLst>
       <p:ext uri="{BB962C8B-B14F-4D97-AF65-F5344CB8AC3E}">
         <p14:creationId xmlns:p14="http://schemas.microsoft.com/office/powerpoint/2010/main" val="3372461133"/>
+      </p:ext>
+    </p:extLst>
+  </p:cSld>
+  <p:clrMapOvr>
+    <a:masterClrMapping/>
+  </p:clrMapOvr>
+</p:sld>
+</file>
+
+<file path=ppt/slides/slide20.xml><?xml version="1.0" encoding="utf-8"?>
+<p:sld xmlns:a="http://schemas.openxmlformats.org/drawingml/2006/main" xmlns:r="http://schemas.openxmlformats.org/officeDocument/2006/relationships" xmlns:p="http://schemas.openxmlformats.org/presentationml/2006/main">
+  <p:cSld>
+    <p:spTree>
+      <p:nvGrpSpPr>
+        <p:cNvPr id="1" name=""/>
+        <p:cNvGrpSpPr/>
+        <p:nvPr/>
+      </p:nvGrpSpPr>
+      <p:grpSpPr>
+        <a:xfrm>
+          <a:off x="0" y="0"/>
+          <a:ext cx="0" cy="0"/>
+          <a:chOff x="0" y="0"/>
+          <a:chExt cx="0" cy="0"/>
+        </a:xfrm>
+      </p:grpSpPr>
+      <p:pic>
+        <p:nvPicPr>
+          <p:cNvPr id="3" name="Picture 2" descr="A picture containing graphical user interface&#10;&#10;Description automatically generated">
+            <a:extLst>
+              <a:ext uri="{FF2B5EF4-FFF2-40B4-BE49-F238E27FC236}">
+                <a16:creationId xmlns:a16="http://schemas.microsoft.com/office/drawing/2014/main" id="{D8E9AB7D-CA96-F418-710E-C232FBAFF4D1}"/>
+              </a:ext>
+            </a:extLst>
+          </p:cNvPr>
+          <p:cNvPicPr>
+            <a:picLocks noChangeAspect="1"/>
+          </p:cNvPicPr>
+          <p:nvPr/>
+        </p:nvPicPr>
+        <p:blipFill>
+          <a:blip r:embed="rId2">
+            <a:extLst>
+              <a:ext uri="{28A0092B-C50C-407E-A947-70E740481C1C}">
+                <a14:useLocalDpi xmlns:a14="http://schemas.microsoft.com/office/drawing/2010/main" val="0"/>
+              </a:ext>
+            </a:extLst>
+          </a:blip>
+          <a:stretch>
+            <a:fillRect/>
+          </a:stretch>
+        </p:blipFill>
+        <p:spPr>
+          <a:xfrm>
+            <a:off x="2667000" y="0"/>
+            <a:ext cx="6858000" cy="6858000"/>
+          </a:xfrm>
+          <a:prstGeom prst="rect">
+            <a:avLst/>
+          </a:prstGeom>
+        </p:spPr>
+      </p:pic>
+    </p:spTree>
+    <p:extLst>
+      <p:ext uri="{BB962C8B-B14F-4D97-AF65-F5344CB8AC3E}">
+        <p14:creationId xmlns:p14="http://schemas.microsoft.com/office/powerpoint/2010/main" val="1878702046"/>
+      </p:ext>
+    </p:extLst>
+  </p:cSld>
+  <p:clrMapOvr>
+    <a:masterClrMapping/>
+  </p:clrMapOvr>
+</p:sld>
+</file>
+
+<file path=ppt/slides/slide21.xml><?xml version="1.0" encoding="utf-8"?>
+<p:sld xmlns:a="http://schemas.openxmlformats.org/drawingml/2006/main" xmlns:r="http://schemas.openxmlformats.org/officeDocument/2006/relationships" xmlns:p="http://schemas.openxmlformats.org/presentationml/2006/main">
+  <p:cSld>
+    <p:bg>
+      <p:bgPr>
+        <a:solidFill>
+          <a:schemeClr val="bg1"/>
+        </a:solidFill>
+        <a:effectLst/>
+      </p:bgPr>
+    </p:bg>
+    <p:spTree>
+      <p:nvGrpSpPr>
+        <p:cNvPr id="1" name=""/>
+        <p:cNvGrpSpPr/>
+        <p:nvPr/>
+      </p:nvGrpSpPr>
+      <p:grpSpPr>
+        <a:xfrm>
+          <a:off x="0" y="0"/>
+          <a:ext cx="0" cy="0"/>
+          <a:chOff x="0" y="0"/>
+          <a:chExt cx="0" cy="0"/>
+        </a:xfrm>
+      </p:grpSpPr>
+      <p:pic>
+        <p:nvPicPr>
+          <p:cNvPr id="3" name="Picture 2" descr="Chart, treemap chart&#10;&#10;Description automatically generated">
+            <a:extLst>
+              <a:ext uri="{FF2B5EF4-FFF2-40B4-BE49-F238E27FC236}">
+                <a16:creationId xmlns:a16="http://schemas.microsoft.com/office/drawing/2014/main" id="{FC331C85-A6FC-F25E-EFCB-A725AA7CCA76}"/>
+              </a:ext>
+            </a:extLst>
+          </p:cNvPr>
+          <p:cNvPicPr>
+            <a:picLocks noChangeAspect="1"/>
+          </p:cNvPicPr>
+          <p:nvPr/>
+        </p:nvPicPr>
+        <p:blipFill>
+          <a:blip r:embed="rId2">
+            <a:extLst>
+              <a:ext uri="{28A0092B-C50C-407E-A947-70E740481C1C}">
+                <a14:useLocalDpi xmlns:a14="http://schemas.microsoft.com/office/drawing/2010/main" val="0"/>
+              </a:ext>
+            </a:extLst>
+          </a:blip>
+          <a:stretch>
+            <a:fillRect/>
+          </a:stretch>
+        </p:blipFill>
+        <p:spPr>
+          <a:xfrm>
+            <a:off x="643467" y="783167"/>
+            <a:ext cx="5291666" cy="5291666"/>
+          </a:xfrm>
+          <a:prstGeom prst="rect">
+            <a:avLst/>
+          </a:prstGeom>
+        </p:spPr>
+      </p:pic>
+      <p:pic>
+        <p:nvPicPr>
+          <p:cNvPr id="5" name="Picture 4" descr="Chart, timeline&#10;&#10;Description automatically generated">
+            <a:extLst>
+              <a:ext uri="{FF2B5EF4-FFF2-40B4-BE49-F238E27FC236}">
+                <a16:creationId xmlns:a16="http://schemas.microsoft.com/office/drawing/2014/main" id="{B878016A-BD7C-9D1A-7DE0-F4350708E2A1}"/>
+              </a:ext>
+            </a:extLst>
+          </p:cNvPr>
+          <p:cNvPicPr>
+            <a:picLocks noChangeAspect="1"/>
+          </p:cNvPicPr>
+          <p:nvPr/>
+        </p:nvPicPr>
+        <p:blipFill>
+          <a:blip r:embed="rId3">
+            <a:extLst>
+              <a:ext uri="{28A0092B-C50C-407E-A947-70E740481C1C}">
+                <a14:useLocalDpi xmlns:a14="http://schemas.microsoft.com/office/drawing/2010/main" val="0"/>
+              </a:ext>
+            </a:extLst>
+          </a:blip>
+          <a:stretch>
+            <a:fillRect/>
+          </a:stretch>
+        </p:blipFill>
+        <p:spPr>
+          <a:xfrm>
+            <a:off x="6256865" y="783166"/>
+            <a:ext cx="5291667" cy="5291667"/>
+          </a:xfrm>
+          <a:prstGeom prst="rect">
+            <a:avLst/>
+          </a:prstGeom>
+        </p:spPr>
+      </p:pic>
+    </p:spTree>
+    <p:extLst>
+      <p:ext uri="{BB962C8B-B14F-4D97-AF65-F5344CB8AC3E}">
+        <p14:creationId xmlns:p14="http://schemas.microsoft.com/office/powerpoint/2010/main" val="3205296668"/>
       </p:ext>
     </p:extLst>
   </p:cSld>
